--- a/NodeJS.pptx
+++ b/NodeJS.pptx
@@ -5,7 +5,7 @@
     <p:sldMasterId id="2147483829" r:id="rId1"/>
   </p:sldMasterIdLst>
   <p:notesMasterIdLst>
-    <p:notesMasterId r:id="rId39"/>
+    <p:notesMasterId r:id="rId40"/>
   </p:notesMasterIdLst>
   <p:sldIdLst>
     <p:sldId id="414" r:id="rId2"/>
@@ -45,6 +45,7 @@
     <p:sldId id="569" r:id="rId36"/>
     <p:sldId id="571" r:id="rId37"/>
     <p:sldId id="572" r:id="rId38"/>
+    <p:sldId id="582" r:id="rId39"/>
   </p:sldIdLst>
   <p:sldSz cx="9144000" cy="6858000" type="screen4x3"/>
   <p:notesSz cx="6858000" cy="9144000"/>
@@ -287,7 +288,7 @@
             <a:fld id="{A7B1724D-A50F-4C38-8BDE-920DAD4008EA}" type="datetimeFigureOut">
               <a:rPr lang="en-US" smtClean="0"/>
               <a:pPr/>
-              <a:t>12/22/2018</a:t>
+              <a:t>1/1/2019</a:t>
             </a:fld>
             <a:endParaRPr lang="en-US"/>
           </a:p>
@@ -5986,7 +5987,7 @@
             <a:r>
               <a:rPr lang="en-US" sz="2000" i="1" dirty="0">
                 <a:solidFill>
-                  <a:srgbClr val="00B050"/>
+                  <a:srgbClr val="C00000"/>
                 </a:solidFill>
                 <a:latin typeface="Consolas" panose="020B0609020204030204" pitchFamily="49" charset="0"/>
               </a:rPr>
@@ -5994,7 +5995,7 @@
             </a:r>
             <a:endParaRPr lang="en-US" sz="2000" dirty="0">
               <a:solidFill>
-                <a:srgbClr val="00B050"/>
+                <a:srgbClr val="C00000"/>
               </a:solidFill>
               <a:latin typeface="Consolas" panose="020B0609020204030204" pitchFamily="49" charset="0"/>
             </a:endParaRPr>
@@ -6075,16 +6076,16 @@
           </a:p>
           <a:p>
             <a:r>
-              <a:rPr lang="en-US" sz="2000" dirty="0">
+              <a:rPr lang="en-US" sz="2000" dirty="0" smtClean="0">
                 <a:solidFill>
                   <a:srgbClr val="859900"/>
                 </a:solidFill>
                 <a:latin typeface="Consolas" panose="020B0609020204030204" pitchFamily="49" charset="0"/>
               </a:rPr>
-              <a:t>return</a:t>
-            </a:r>
-            <a:r>
-              <a:rPr lang="en-US" sz="2000" dirty="0">
+              <a:t>    return</a:t>
+            </a:r>
+            <a:r>
+              <a:rPr lang="en-US" sz="2000" dirty="0" smtClean="0">
                 <a:solidFill>
                   <a:srgbClr val="BBBBBB"/>
                 </a:solidFill>
@@ -6093,7 +6094,7 @@
               <a:t>(</a:t>
             </a:r>
             <a:r>
-              <a:rPr lang="en-US" sz="2000" dirty="0">
+              <a:rPr lang="en-US" sz="2000" dirty="0" smtClean="0">
                 <a:solidFill>
                   <a:srgbClr val="268BD2"/>
                 </a:solidFill>
@@ -6102,7 +6103,7 @@
               <a:t>a</a:t>
             </a:r>
             <a:r>
-              <a:rPr lang="en-US" sz="2000" dirty="0">
+              <a:rPr lang="en-US" sz="2000" dirty="0" smtClean="0">
                 <a:solidFill>
                   <a:srgbClr val="BBBBBB"/>
                 </a:solidFill>
@@ -6251,16 +6252,16 @@
           </a:p>
           <a:p>
             <a:r>
-              <a:rPr lang="en-US" sz="2000" dirty="0">
+              <a:rPr lang="en-US" sz="2000" dirty="0" smtClean="0">
                 <a:solidFill>
                   <a:srgbClr val="859900"/>
                 </a:solidFill>
                 <a:latin typeface="Consolas" panose="020B0609020204030204" pitchFamily="49" charset="0"/>
               </a:rPr>
-              <a:t>return</a:t>
-            </a:r>
-            <a:r>
-              <a:rPr lang="en-US" sz="2000" dirty="0">
+              <a:t>    return</a:t>
+            </a:r>
+            <a:r>
+              <a:rPr lang="en-US" sz="2000" dirty="0" smtClean="0">
                 <a:solidFill>
                   <a:srgbClr val="BBBBBB"/>
                 </a:solidFill>
@@ -6269,7 +6270,7 @@
               <a:t>(</a:t>
             </a:r>
             <a:r>
-              <a:rPr lang="en-US" sz="2000" dirty="0">
+              <a:rPr lang="en-US" sz="2000" dirty="0" smtClean="0">
                 <a:solidFill>
                   <a:srgbClr val="268BD2"/>
                 </a:solidFill>
@@ -6278,7 +6279,7 @@
               <a:t>a</a:t>
             </a:r>
             <a:r>
-              <a:rPr lang="en-US" sz="2000" dirty="0">
+              <a:rPr lang="en-US" sz="2000" dirty="0" smtClean="0">
                 <a:solidFill>
                   <a:srgbClr val="BBBBBB"/>
                 </a:solidFill>
@@ -6787,7 +6788,7 @@
             <a:r>
               <a:rPr lang="en-US" sz="2000" i="1" dirty="0">
                 <a:solidFill>
-                  <a:srgbClr val="00B050"/>
+                  <a:srgbClr val="C00000"/>
                 </a:solidFill>
                 <a:latin typeface="Consolas" panose="020B0609020204030204" pitchFamily="49" charset="0"/>
               </a:rPr>
@@ -6795,7 +6796,7 @@
             </a:r>
             <a:endParaRPr lang="en-US" sz="2000" dirty="0">
               <a:solidFill>
-                <a:srgbClr val="00B050"/>
+                <a:srgbClr val="C00000"/>
               </a:solidFill>
               <a:latin typeface="Consolas" panose="020B0609020204030204" pitchFamily="49" charset="0"/>
             </a:endParaRPr>
@@ -7424,7 +7425,7 @@
             <a:r>
               <a:rPr lang="en-US" sz="2000" i="1" dirty="0">
                 <a:solidFill>
-                  <a:srgbClr val="00B050"/>
+                  <a:srgbClr val="C00000"/>
                 </a:solidFill>
                 <a:latin typeface="Consolas" panose="020B0609020204030204" pitchFamily="49" charset="0"/>
               </a:rPr>
@@ -7432,7 +7433,7 @@
             </a:r>
             <a:endParaRPr lang="en-US" sz="2000" dirty="0">
               <a:solidFill>
-                <a:srgbClr val="00B050"/>
+                <a:srgbClr val="C00000"/>
               </a:solidFill>
               <a:latin typeface="Consolas" panose="020B0609020204030204" pitchFamily="49" charset="0"/>
             </a:endParaRPr>
@@ -9941,714 +9942,591 @@
       </p:sp>
       <p:sp>
         <p:nvSpPr>
-          <p:cNvPr id="7" name="Rectangle 2"/>
-          <p:cNvSpPr>
-            <a:spLocks noChangeArrowheads="1"/>
-          </p:cNvSpPr>
+          <p:cNvPr id="2" name="Rectangle 1"/>
+          <p:cNvSpPr/>
           <p:nvPr/>
         </p:nvSpPr>
-        <p:spPr bwMode="auto">
+        <p:spPr>
           <a:xfrm>
-            <a:off x="152401" y="1676400"/>
-            <a:ext cx="8839200" cy="4154984"/>
+            <a:off x="152400" y="1716881"/>
+            <a:ext cx="8839200" cy="3785652"/>
           </a:xfrm>
           <a:prstGeom prst="rect">
             <a:avLst/>
           </a:prstGeom>
-          <a:solidFill>
-            <a:schemeClr val="accent3">
-              <a:lumMod val="20000"/>
-              <a:lumOff val="80000"/>
-            </a:schemeClr>
-          </a:solidFill>
-          <a:ln>
-            <a:noFill/>
-          </a:ln>
-          <a:effectLst/>
         </p:spPr>
         <p:txBody>
-          <a:bodyPr vert="horz" wrap="square" lIns="0" tIns="0" rIns="0" bIns="0" numCol="1" anchor="ctr" anchorCtr="0" compatLnSpc="1">
-            <a:prstTxWarp prst="textNoShape">
-              <a:avLst/>
-            </a:prstTxWarp>
+          <a:bodyPr wrap="square">
             <a:spAutoFit/>
           </a:bodyPr>
-          <a:lstStyle>
-            <a:lvl1pPr>
-              <a:defRPr>
-                <a:solidFill>
-                  <a:schemeClr val="tx1"/>
-                </a:solidFill>
-                <a:latin typeface="Arial" panose="020B0604020202020204" pitchFamily="34" charset="0"/>
-              </a:defRPr>
-            </a:lvl1pPr>
-            <a:lvl2pPr>
-              <a:defRPr>
-                <a:solidFill>
-                  <a:schemeClr val="tx1"/>
-                </a:solidFill>
-                <a:latin typeface="Arial" panose="020B0604020202020204" pitchFamily="34" charset="0"/>
-              </a:defRPr>
-            </a:lvl2pPr>
-            <a:lvl3pPr>
-              <a:defRPr>
-                <a:solidFill>
-                  <a:schemeClr val="tx1"/>
-                </a:solidFill>
-                <a:latin typeface="Arial" panose="020B0604020202020204" pitchFamily="34" charset="0"/>
-              </a:defRPr>
-            </a:lvl3pPr>
-            <a:lvl4pPr>
-              <a:defRPr>
-                <a:solidFill>
-                  <a:schemeClr val="tx1"/>
-                </a:solidFill>
-                <a:latin typeface="Arial" panose="020B0604020202020204" pitchFamily="34" charset="0"/>
-              </a:defRPr>
-            </a:lvl4pPr>
-            <a:lvl5pPr>
-              <a:defRPr>
-                <a:solidFill>
-                  <a:schemeClr val="tx1"/>
-                </a:solidFill>
-                <a:latin typeface="Arial" panose="020B0604020202020204" pitchFamily="34" charset="0"/>
-              </a:defRPr>
-            </a:lvl5pPr>
-            <a:lvl6pPr eaLnBrk="0" fontAlgn="base" hangingPunct="0">
-              <a:spcBef>
-                <a:spcPct val="0"/>
-              </a:spcBef>
-              <a:spcAft>
-                <a:spcPct val="0"/>
-              </a:spcAft>
-              <a:defRPr>
-                <a:solidFill>
-                  <a:schemeClr val="tx1"/>
-                </a:solidFill>
-                <a:latin typeface="Arial" panose="020B0604020202020204" pitchFamily="34" charset="0"/>
-              </a:defRPr>
-            </a:lvl6pPr>
-            <a:lvl7pPr eaLnBrk="0" fontAlgn="base" hangingPunct="0">
-              <a:spcBef>
-                <a:spcPct val="0"/>
-              </a:spcBef>
-              <a:spcAft>
-                <a:spcPct val="0"/>
-              </a:spcAft>
-              <a:defRPr>
-                <a:solidFill>
-                  <a:schemeClr val="tx1"/>
-                </a:solidFill>
-                <a:latin typeface="Arial" panose="020B0604020202020204" pitchFamily="34" charset="0"/>
-              </a:defRPr>
-            </a:lvl7pPr>
-            <a:lvl8pPr eaLnBrk="0" fontAlgn="base" hangingPunct="0">
-              <a:spcBef>
-                <a:spcPct val="0"/>
-              </a:spcBef>
-              <a:spcAft>
-                <a:spcPct val="0"/>
-              </a:spcAft>
-              <a:defRPr>
-                <a:solidFill>
-                  <a:schemeClr val="tx1"/>
-                </a:solidFill>
-                <a:latin typeface="Arial" panose="020B0604020202020204" pitchFamily="34" charset="0"/>
-              </a:defRPr>
-            </a:lvl8pPr>
-            <a:lvl9pPr eaLnBrk="0" fontAlgn="base" hangingPunct="0">
-              <a:spcBef>
-                <a:spcPct val="0"/>
-              </a:spcBef>
-              <a:spcAft>
-                <a:spcPct val="0"/>
-              </a:spcAft>
-              <a:defRPr>
-                <a:solidFill>
-                  <a:schemeClr val="tx1"/>
-                </a:solidFill>
-                <a:latin typeface="Arial" panose="020B0604020202020204" pitchFamily="34" charset="0"/>
-              </a:defRPr>
-            </a:lvl9pPr>
-          </a:lstStyle>
-          <a:p>
-            <a:pPr lvl="0"/>
-            <a:endParaRPr lang="en-US" sz="1800" b="1" i="1" dirty="0" smtClean="0">
+          <a:lstStyle/>
+          <a:p>
+            <a:r>
+              <a:rPr lang="en-US" sz="2000" i="1" dirty="0">
+                <a:solidFill>
+                  <a:srgbClr val="C00000"/>
+                </a:solidFill>
+                <a:latin typeface="Consolas" panose="020B0609020204030204" pitchFamily="49" charset="0"/>
+              </a:rPr>
+              <a:t>/* myModules.js */</a:t>
+            </a:r>
+            <a:endParaRPr lang="en-US" sz="2000" dirty="0">
               <a:solidFill>
-                <a:schemeClr val="accent3">
-                  <a:lumMod val="75000"/>
-                </a:schemeClr>
+                <a:srgbClr val="C00000"/>
               </a:solidFill>
-              <a:latin typeface="Helvetica Neue"/>
+              <a:latin typeface="Consolas" panose="020B0609020204030204" pitchFamily="49" charset="0"/>
             </a:endParaRPr>
           </a:p>
           <a:p>
-            <a:pPr lvl="0"/>
-            <a:r>
-              <a:rPr lang="en-US" sz="1800" b="1" i="1" dirty="0" smtClean="0">
-                <a:solidFill>
-                  <a:schemeClr val="accent3">
-                    <a:lumMod val="75000"/>
-                  </a:schemeClr>
-                </a:solidFill>
-                <a:latin typeface="Helvetica Neue"/>
-              </a:rPr>
-              <a:t>  myModules.js</a:t>
-            </a:r>
-          </a:p>
-          <a:p>
-            <a:pPr lvl="0"/>
-            <a:r>
-              <a:rPr lang="en-US" sz="1800" dirty="0" smtClean="0">
-                <a:solidFill>
-                  <a:srgbClr val="000000"/>
-                </a:solidFill>
-                <a:latin typeface="Consolas" panose="020B0609020204030204" pitchFamily="49" charset="0"/>
-              </a:rPr>
-              <a:t>   exports.Message </a:t>
-            </a:r>
-            <a:r>
-              <a:rPr lang="en-US" sz="1800" dirty="0">
-                <a:solidFill>
-                  <a:srgbClr val="000000"/>
-                </a:solidFill>
-                <a:latin typeface="Consolas" panose="020B0609020204030204" pitchFamily="49" charset="0"/>
-              </a:rPr>
-              <a:t>= </a:t>
-            </a:r>
-            <a:r>
-              <a:rPr lang="en-US" sz="1800" dirty="0">
-                <a:solidFill>
-                  <a:srgbClr val="A31515"/>
+            <a:r>
+              <a:rPr lang="en-US" sz="2000" dirty="0">
+                <a:solidFill>
+                  <a:srgbClr val="859900"/>
+                </a:solidFill>
+                <a:latin typeface="Consolas" panose="020B0609020204030204" pitchFamily="49" charset="0"/>
+              </a:rPr>
+              <a:t>exports</a:t>
+            </a:r>
+            <a:r>
+              <a:rPr lang="en-US" sz="2000" dirty="0">
+                <a:solidFill>
+                  <a:srgbClr val="BBBBBB"/>
+                </a:solidFill>
+                <a:latin typeface="Consolas" panose="020B0609020204030204" pitchFamily="49" charset="0"/>
+              </a:rPr>
+              <a:t>.</a:t>
+            </a:r>
+            <a:r>
+              <a:rPr lang="en-US" sz="2000" dirty="0">
+                <a:solidFill>
+                  <a:srgbClr val="268BD2"/>
+                </a:solidFill>
+                <a:latin typeface="Consolas" panose="020B0609020204030204" pitchFamily="49" charset="0"/>
+              </a:rPr>
+              <a:t>Message</a:t>
+            </a:r>
+            <a:r>
+              <a:rPr lang="en-US" sz="2000" dirty="0">
+                <a:solidFill>
+                  <a:srgbClr val="BBBBBB"/>
+                </a:solidFill>
+                <a:latin typeface="Consolas" panose="020B0609020204030204" pitchFamily="49" charset="0"/>
+              </a:rPr>
+              <a:t> </a:t>
+            </a:r>
+            <a:r>
+              <a:rPr lang="en-US" sz="2000" dirty="0">
+                <a:solidFill>
+                  <a:srgbClr val="859900"/>
+                </a:solidFill>
+                <a:latin typeface="Consolas" panose="020B0609020204030204" pitchFamily="49" charset="0"/>
+              </a:rPr>
+              <a:t>=</a:t>
+            </a:r>
+            <a:r>
+              <a:rPr lang="en-US" sz="2000" dirty="0">
+                <a:solidFill>
+                  <a:srgbClr val="BBBBBB"/>
+                </a:solidFill>
+                <a:latin typeface="Consolas" panose="020B0609020204030204" pitchFamily="49" charset="0"/>
+              </a:rPr>
+              <a:t> </a:t>
+            </a:r>
+            <a:r>
+              <a:rPr lang="en-US" sz="2000" dirty="0">
+                <a:solidFill>
+                  <a:srgbClr val="2AA198"/>
                 </a:solidFill>
                 <a:latin typeface="Consolas" panose="020B0609020204030204" pitchFamily="49" charset="0"/>
               </a:rPr>
               <a:t>'Hello world'</a:t>
             </a:r>
             <a:r>
-              <a:rPr lang="en-US" sz="1800" dirty="0">
-                <a:solidFill>
-                  <a:srgbClr val="000000"/>
+              <a:rPr lang="en-US" sz="2000" dirty="0">
+                <a:solidFill>
+                  <a:srgbClr val="BBBBBB"/>
                 </a:solidFill>
                 <a:latin typeface="Consolas" panose="020B0609020204030204" pitchFamily="49" charset="0"/>
               </a:rPr>
               <a:t>; </a:t>
             </a:r>
-          </a:p>
-          <a:p>
-            <a:pPr lvl="0"/>
-            <a:r>
-              <a:rPr lang="en-US" sz="1800" dirty="0">
-                <a:solidFill>
-                  <a:srgbClr val="008000"/>
-                </a:solidFill>
-                <a:latin typeface="Consolas" panose="020B0609020204030204" pitchFamily="49" charset="0"/>
-              </a:rPr>
-              <a:t>   </a:t>
-            </a:r>
-            <a:r>
-              <a:rPr lang="en-US" sz="1800" dirty="0" smtClean="0">
-                <a:solidFill>
-                  <a:srgbClr val="008000"/>
-                </a:solidFill>
-                <a:latin typeface="Consolas" panose="020B0609020204030204" pitchFamily="49" charset="0"/>
-              </a:rPr>
-              <a:t>// or</a:t>
-            </a:r>
-            <a:r>
-              <a:rPr lang="en-US" sz="1800" dirty="0" smtClean="0">
-                <a:solidFill>
-                  <a:srgbClr val="000000"/>
+            <a:r>
+              <a:rPr lang="en-US" sz="2000" i="1" dirty="0" smtClean="0">
+                <a:solidFill>
+                  <a:srgbClr val="00B050"/>
+                </a:solidFill>
+                <a:latin typeface="Consolas" panose="020B0609020204030204" pitchFamily="49" charset="0"/>
+              </a:rPr>
+              <a:t>// </a:t>
+            </a:r>
+            <a:r>
+              <a:rPr lang="en-US" sz="2000" i="1" dirty="0">
+                <a:solidFill>
+                  <a:srgbClr val="00B050"/>
+                </a:solidFill>
+                <a:latin typeface="Consolas" panose="020B0609020204030204" pitchFamily="49" charset="0"/>
+              </a:rPr>
+              <a:t>or module.exports.Message = 'Hello world';</a:t>
+            </a:r>
+            <a:r>
+              <a:rPr lang="en-US" sz="2000" i="1" dirty="0">
+                <a:solidFill>
+                  <a:srgbClr val="657B83"/>
                 </a:solidFill>
                 <a:latin typeface="Consolas" panose="020B0609020204030204" pitchFamily="49" charset="0"/>
               </a:rPr>
               <a:t> </a:t>
             </a:r>
-            <a:r>
-              <a:rPr lang="en-US" sz="1800" dirty="0">
-                <a:solidFill>
-                  <a:srgbClr val="008000"/>
-                </a:solidFill>
-                <a:latin typeface="Consolas" panose="020B0609020204030204" pitchFamily="49" charset="0"/>
-              </a:rPr>
-              <a:t>module.exports.Message = 'Hello world'</a:t>
-            </a:r>
-            <a:r>
-              <a:rPr lang="en-US" sz="1800" dirty="0">
-                <a:solidFill>
-                  <a:srgbClr val="000000"/>
-                </a:solidFill>
-                <a:latin typeface="Consolas" panose="020B0609020204030204" pitchFamily="49" charset="0"/>
-              </a:rPr>
-              <a:t>; </a:t>
-            </a:r>
-            <a:endParaRPr lang="en-US" sz="1800" dirty="0"/>
-          </a:p>
-          <a:p>
-            <a:pPr lvl="0"/>
-            <a:endParaRPr kumimoji="0" lang="en-US" sz="1800" b="0" i="0" u="none" strike="noStrike" cap="none" normalizeH="0" baseline="0" dirty="0" smtClean="0">
-              <a:ln>
-                <a:noFill/>
-              </a:ln>
+            <a:endParaRPr lang="en-US" sz="2000" dirty="0">
               <a:solidFill>
-                <a:srgbClr val="333333"/>
+                <a:srgbClr val="BBBBBB"/>
               </a:solidFill>
-              <a:effectLst/>
-              <a:latin typeface="Helvetica Neue"/>
+              <a:latin typeface="Consolas" panose="020B0609020204030204" pitchFamily="49" charset="0"/>
             </a:endParaRPr>
           </a:p>
           <a:p>
-            <a:pPr marL="0" marR="0" lvl="0" indent="0" algn="l" defTabSz="914400" rtl="0" eaLnBrk="0" fontAlgn="base" latinLnBrk="0" hangingPunct="0">
-              <a:lnSpc>
-                <a:spcPct val="100000"/>
-              </a:lnSpc>
-              <a:spcBef>
-                <a:spcPct val="0"/>
-              </a:spcBef>
-              <a:spcAft>
-                <a:spcPct val="0"/>
-              </a:spcAft>
-              <a:buClrTx/>
-              <a:buSzTx/>
-              <a:buFontTx/>
-              <a:buNone/>
-              <a:tabLst/>
-            </a:pPr>
-            <a:r>
-              <a:rPr kumimoji="0" lang="en-US" sz="1800" b="0" i="0" u="none" strike="noStrike" cap="none" normalizeH="0" baseline="0" dirty="0" smtClean="0">
-                <a:ln>
-                  <a:noFill/>
-                </a:ln>
-                <a:solidFill>
-                  <a:srgbClr val="000000"/>
-                </a:solidFill>
-                <a:effectLst/>
-                <a:latin typeface="Consolas" panose="020B0609020204030204" pitchFamily="49" charset="0"/>
-              </a:rPr>
-              <a:t>   exports.fn = </a:t>
-            </a:r>
-            <a:r>
-              <a:rPr kumimoji="0" lang="en-US" sz="1800" b="0" i="0" u="none" strike="noStrike" cap="none" normalizeH="0" baseline="0" dirty="0" smtClean="0">
-                <a:ln>
-                  <a:noFill/>
-                </a:ln>
-                <a:solidFill>
-                  <a:srgbClr val="0000FF"/>
-                </a:solidFill>
-                <a:effectLst/>
+            <a:r>
+              <a:rPr lang="en-US" sz="2000" dirty="0">
+                <a:solidFill>
+                  <a:srgbClr val="BBBBBB"/>
+                </a:solidFill>
+                <a:latin typeface="Consolas" panose="020B0609020204030204" pitchFamily="49" charset="0"/>
+              </a:rPr>
+              <a:t/>
+            </a:r>
+            <a:br>
+              <a:rPr lang="en-US" sz="2000" dirty="0">
+                <a:solidFill>
+                  <a:srgbClr val="BBBBBB"/>
+                </a:solidFill>
+                <a:latin typeface="Consolas" panose="020B0609020204030204" pitchFamily="49" charset="0"/>
+              </a:rPr>
+            </a:br>
+            <a:r>
+              <a:rPr lang="en-US" sz="2000" dirty="0">
+                <a:solidFill>
+                  <a:srgbClr val="859900"/>
+                </a:solidFill>
+                <a:latin typeface="Consolas" panose="020B0609020204030204" pitchFamily="49" charset="0"/>
+              </a:rPr>
+              <a:t>exports</a:t>
+            </a:r>
+            <a:r>
+              <a:rPr lang="en-US" sz="2000" dirty="0">
+                <a:solidFill>
+                  <a:srgbClr val="BBBBBB"/>
+                </a:solidFill>
+                <a:latin typeface="Consolas" panose="020B0609020204030204" pitchFamily="49" charset="0"/>
+              </a:rPr>
+              <a:t>.</a:t>
+            </a:r>
+            <a:r>
+              <a:rPr lang="en-US" sz="2000" dirty="0">
+                <a:solidFill>
+                  <a:srgbClr val="268BD2"/>
+                </a:solidFill>
+                <a:latin typeface="Consolas" panose="020B0609020204030204" pitchFamily="49" charset="0"/>
+              </a:rPr>
+              <a:t>fn</a:t>
+            </a:r>
+            <a:r>
+              <a:rPr lang="en-US" sz="2000" dirty="0">
+                <a:solidFill>
+                  <a:srgbClr val="BBBBBB"/>
+                </a:solidFill>
+                <a:latin typeface="Consolas" panose="020B0609020204030204" pitchFamily="49" charset="0"/>
+              </a:rPr>
+              <a:t> </a:t>
+            </a:r>
+            <a:r>
+              <a:rPr lang="en-US" sz="2000" dirty="0">
+                <a:solidFill>
+                  <a:srgbClr val="859900"/>
+                </a:solidFill>
+                <a:latin typeface="Consolas" panose="020B0609020204030204" pitchFamily="49" charset="0"/>
+              </a:rPr>
+              <a:t>=</a:t>
+            </a:r>
+            <a:r>
+              <a:rPr lang="en-US" sz="2000" dirty="0">
+                <a:solidFill>
+                  <a:srgbClr val="BBBBBB"/>
+                </a:solidFill>
+                <a:latin typeface="Consolas" panose="020B0609020204030204" pitchFamily="49" charset="0"/>
+              </a:rPr>
+              <a:t> </a:t>
+            </a:r>
+            <a:r>
+              <a:rPr lang="en-US" sz="2000" b="1" dirty="0">
+                <a:solidFill>
+                  <a:srgbClr val="93A1A1"/>
+                </a:solidFill>
                 <a:latin typeface="Consolas" panose="020B0609020204030204" pitchFamily="49" charset="0"/>
               </a:rPr>
               <a:t>function</a:t>
             </a:r>
             <a:r>
-              <a:rPr kumimoji="0" lang="en-US" sz="1800" b="0" i="0" u="none" strike="noStrike" cap="none" normalizeH="0" baseline="0" dirty="0" smtClean="0">
-                <a:ln>
-                  <a:noFill/>
-                </a:ln>
-                <a:solidFill>
-                  <a:srgbClr val="000000"/>
-                </a:solidFill>
-                <a:effectLst/>
+              <a:rPr lang="en-US" sz="2000" dirty="0">
+                <a:solidFill>
+                  <a:srgbClr val="BBBBBB"/>
+                </a:solidFill>
                 <a:latin typeface="Consolas" panose="020B0609020204030204" pitchFamily="49" charset="0"/>
               </a:rPr>
               <a:t> (msg) { </a:t>
             </a:r>
           </a:p>
           <a:p>
-            <a:pPr marL="0" marR="0" lvl="0" indent="0" algn="l" defTabSz="914400" rtl="0" eaLnBrk="0" fontAlgn="base" latinLnBrk="0" hangingPunct="0">
-              <a:lnSpc>
-                <a:spcPct val="100000"/>
-              </a:lnSpc>
-              <a:spcBef>
-                <a:spcPct val="0"/>
-              </a:spcBef>
-              <a:spcAft>
-                <a:spcPct val="0"/>
-              </a:spcAft>
-              <a:buClrTx/>
-              <a:buSzTx/>
-              <a:buFontTx/>
-              <a:buNone/>
-              <a:tabLst/>
-            </a:pPr>
-            <a:r>
-              <a:rPr lang="en-US" sz="1800" dirty="0">
-                <a:solidFill>
-                  <a:srgbClr val="000000"/>
+            <a:r>
+              <a:rPr lang="en-US" sz="2000" dirty="0" smtClean="0">
+                <a:solidFill>
+                  <a:srgbClr val="859900"/>
+                </a:solidFill>
+                <a:latin typeface="Consolas" panose="020B0609020204030204" pitchFamily="49" charset="0"/>
+              </a:rPr>
+              <a:t>    console</a:t>
+            </a:r>
+            <a:r>
+              <a:rPr lang="en-US" sz="2000" dirty="0" smtClean="0">
+                <a:solidFill>
+                  <a:srgbClr val="BBBBBB"/>
+                </a:solidFill>
+                <a:latin typeface="Consolas" panose="020B0609020204030204" pitchFamily="49" charset="0"/>
+              </a:rPr>
+              <a:t>.</a:t>
+            </a:r>
+            <a:r>
+              <a:rPr lang="en-US" sz="2000" dirty="0" smtClean="0">
+                <a:solidFill>
+                  <a:srgbClr val="268BD2"/>
+                </a:solidFill>
+                <a:latin typeface="Consolas" panose="020B0609020204030204" pitchFamily="49" charset="0"/>
+              </a:rPr>
+              <a:t>log</a:t>
+            </a:r>
+            <a:r>
+              <a:rPr lang="en-US" sz="2000" dirty="0" smtClean="0">
+                <a:solidFill>
+                  <a:srgbClr val="BBBBBB"/>
+                </a:solidFill>
+                <a:latin typeface="Consolas" panose="020B0609020204030204" pitchFamily="49" charset="0"/>
+              </a:rPr>
+              <a:t>(</a:t>
+            </a:r>
+            <a:r>
+              <a:rPr lang="en-US" sz="2000" dirty="0" smtClean="0">
+                <a:solidFill>
+                  <a:srgbClr val="268BD2"/>
+                </a:solidFill>
+                <a:latin typeface="Consolas" panose="020B0609020204030204" pitchFamily="49" charset="0"/>
+              </a:rPr>
+              <a:t>msg</a:t>
+            </a:r>
+            <a:r>
+              <a:rPr lang="en-US" sz="2000" dirty="0">
+                <a:solidFill>
+                  <a:srgbClr val="BBBBBB"/>
+                </a:solidFill>
+                <a:latin typeface="Consolas" panose="020B0609020204030204" pitchFamily="49" charset="0"/>
+              </a:rPr>
+              <a:t>); </a:t>
+            </a:r>
+          </a:p>
+          <a:p>
+            <a:r>
+              <a:rPr lang="en-US" sz="2000" dirty="0">
+                <a:solidFill>
+                  <a:srgbClr val="BBBBBB"/>
+                </a:solidFill>
+                <a:latin typeface="Consolas" panose="020B0609020204030204" pitchFamily="49" charset="0"/>
+              </a:rPr>
+              <a:t>}; </a:t>
+            </a:r>
+            <a:r>
+              <a:rPr lang="en-US" sz="2000" i="1" dirty="0" smtClean="0">
+                <a:solidFill>
+                  <a:srgbClr val="00B050"/>
+                </a:solidFill>
+                <a:latin typeface="Consolas" panose="020B0609020204030204" pitchFamily="49" charset="0"/>
+              </a:rPr>
+              <a:t>// </a:t>
+            </a:r>
+            <a:r>
+              <a:rPr lang="en-US" sz="2000" i="1" dirty="0">
+                <a:solidFill>
+                  <a:srgbClr val="00B050"/>
+                </a:solidFill>
+                <a:latin typeface="Consolas" panose="020B0609020204030204" pitchFamily="49" charset="0"/>
+              </a:rPr>
+              <a:t>or module.exports.fn = function (msg) { … }; </a:t>
+            </a:r>
+            <a:endParaRPr lang="en-US" sz="2000" dirty="0">
+              <a:solidFill>
+                <a:srgbClr val="00B050"/>
+              </a:solidFill>
+              <a:latin typeface="Consolas" panose="020B0609020204030204" pitchFamily="49" charset="0"/>
+            </a:endParaRPr>
+          </a:p>
+          <a:p>
+            <a:r>
+              <a:rPr lang="en-US" sz="2000" dirty="0">
+                <a:solidFill>
+                  <a:srgbClr val="BBBBBB"/>
+                </a:solidFill>
+                <a:latin typeface="Consolas" panose="020B0609020204030204" pitchFamily="49" charset="0"/>
+              </a:rPr>
+              <a:t/>
+            </a:r>
+            <a:br>
+              <a:rPr lang="en-US" sz="2000" dirty="0">
+                <a:solidFill>
+                  <a:srgbClr val="BBBBBB"/>
+                </a:solidFill>
+                <a:latin typeface="Consolas" panose="020B0609020204030204" pitchFamily="49" charset="0"/>
+              </a:rPr>
+            </a:br>
+            <a:r>
+              <a:rPr lang="en-US" sz="2000" i="1" dirty="0">
+                <a:solidFill>
+                  <a:srgbClr val="C00000"/>
+                </a:solidFill>
+                <a:latin typeface="Consolas" panose="020B0609020204030204" pitchFamily="49" charset="0"/>
+              </a:rPr>
+              <a:t>/* app.js */</a:t>
+            </a:r>
+            <a:endParaRPr lang="en-US" sz="2000" dirty="0">
+              <a:solidFill>
+                <a:srgbClr val="C00000"/>
+              </a:solidFill>
+              <a:latin typeface="Consolas" panose="020B0609020204030204" pitchFamily="49" charset="0"/>
+            </a:endParaRPr>
+          </a:p>
+          <a:p>
+            <a:r>
+              <a:rPr lang="en-US" sz="2000" b="1" dirty="0">
+                <a:solidFill>
+                  <a:srgbClr val="93A1A1"/>
+                </a:solidFill>
+                <a:latin typeface="Consolas" panose="020B0609020204030204" pitchFamily="49" charset="0"/>
+              </a:rPr>
+              <a:t>var</a:t>
+            </a:r>
+            <a:r>
+              <a:rPr lang="en-US" sz="2000" dirty="0">
+                <a:solidFill>
+                  <a:srgbClr val="BBBBBB"/>
                 </a:solidFill>
                 <a:latin typeface="Consolas" panose="020B0609020204030204" pitchFamily="49" charset="0"/>
               </a:rPr>
               <a:t> </a:t>
             </a:r>
             <a:r>
-              <a:rPr lang="en-US" sz="1800" dirty="0" smtClean="0">
-                <a:solidFill>
-                  <a:srgbClr val="000000"/>
-                </a:solidFill>
-                <a:latin typeface="Consolas" panose="020B0609020204030204" pitchFamily="49" charset="0"/>
-              </a:rPr>
-              <a:t>     </a:t>
-            </a:r>
-            <a:r>
-              <a:rPr kumimoji="0" lang="en-US" sz="1800" b="0" i="0" u="none" strike="noStrike" cap="none" normalizeH="0" baseline="0" dirty="0" smtClean="0">
-                <a:ln>
-                  <a:noFill/>
-                </a:ln>
-                <a:solidFill>
-                  <a:srgbClr val="000000"/>
-                </a:solidFill>
-                <a:effectLst/>
-                <a:latin typeface="Consolas" panose="020B0609020204030204" pitchFamily="49" charset="0"/>
-              </a:rPr>
-              <a:t>console.log(msg); </a:t>
-            </a:r>
-          </a:p>
-          <a:p>
-            <a:pPr marL="0" marR="0" lvl="0" indent="0" algn="l" defTabSz="914400" rtl="0" eaLnBrk="0" fontAlgn="base" latinLnBrk="0" hangingPunct="0">
-              <a:lnSpc>
-                <a:spcPct val="100000"/>
-              </a:lnSpc>
-              <a:spcBef>
-                <a:spcPct val="0"/>
-              </a:spcBef>
-              <a:spcAft>
-                <a:spcPct val="0"/>
-              </a:spcAft>
-              <a:buClrTx/>
-              <a:buSzTx/>
-              <a:buFontTx/>
-              <a:buNone/>
-              <a:tabLst/>
-            </a:pPr>
-            <a:r>
-              <a:rPr lang="en-US" sz="1800" dirty="0">
-                <a:solidFill>
-                  <a:srgbClr val="000000"/>
+              <a:rPr lang="en-US" sz="2000" dirty="0">
+                <a:solidFill>
+                  <a:srgbClr val="268BD2"/>
+                </a:solidFill>
+                <a:latin typeface="Consolas" panose="020B0609020204030204" pitchFamily="49" charset="0"/>
+              </a:rPr>
+              <a:t>msg</a:t>
+            </a:r>
+            <a:r>
+              <a:rPr lang="en-US" sz="2000" dirty="0">
+                <a:solidFill>
+                  <a:srgbClr val="BBBBBB"/>
                 </a:solidFill>
                 <a:latin typeface="Consolas" panose="020B0609020204030204" pitchFamily="49" charset="0"/>
               </a:rPr>
               <a:t> </a:t>
             </a:r>
             <a:r>
-              <a:rPr lang="en-US" sz="1800" dirty="0" smtClean="0">
-                <a:solidFill>
-                  <a:srgbClr val="000000"/>
-                </a:solidFill>
-                <a:latin typeface="Consolas" panose="020B0609020204030204" pitchFamily="49" charset="0"/>
-              </a:rPr>
-              <a:t>  </a:t>
-            </a:r>
-            <a:r>
-              <a:rPr kumimoji="0" lang="en-US" sz="1800" b="0" i="0" u="none" strike="noStrike" cap="none" normalizeH="0" baseline="0" dirty="0" smtClean="0">
-                <a:ln>
-                  <a:noFill/>
-                </a:ln>
-                <a:solidFill>
-                  <a:srgbClr val="000000"/>
-                </a:solidFill>
-                <a:effectLst/>
-                <a:latin typeface="Consolas" panose="020B0609020204030204" pitchFamily="49" charset="0"/>
-              </a:rPr>
-              <a:t>}; </a:t>
-            </a:r>
-            <a:endParaRPr kumimoji="0" lang="en-US" sz="1800" b="0" i="0" u="none" strike="noStrike" cap="none" normalizeH="0" baseline="0" dirty="0" smtClean="0">
-              <a:ln>
-                <a:noFill/>
-              </a:ln>
+              <a:rPr lang="en-US" sz="2000" dirty="0">
+                <a:solidFill>
+                  <a:srgbClr val="859900"/>
+                </a:solidFill>
+                <a:latin typeface="Consolas" panose="020B0609020204030204" pitchFamily="49" charset="0"/>
+              </a:rPr>
+              <a:t>=</a:t>
+            </a:r>
+            <a:r>
+              <a:rPr lang="en-US" sz="2000" dirty="0">
+                <a:solidFill>
+                  <a:srgbClr val="BBBBBB"/>
+                </a:solidFill>
+                <a:latin typeface="Consolas" panose="020B0609020204030204" pitchFamily="49" charset="0"/>
+              </a:rPr>
+              <a:t> </a:t>
+            </a:r>
+            <a:r>
+              <a:rPr lang="en-US" sz="2000" dirty="0">
+                <a:solidFill>
+                  <a:srgbClr val="268BD2"/>
+                </a:solidFill>
+                <a:latin typeface="Consolas" panose="020B0609020204030204" pitchFamily="49" charset="0"/>
+              </a:rPr>
+              <a:t>require</a:t>
+            </a:r>
+            <a:r>
+              <a:rPr lang="en-US" sz="2000" dirty="0">
+                <a:solidFill>
+                  <a:srgbClr val="BBBBBB"/>
+                </a:solidFill>
+                <a:latin typeface="Consolas" panose="020B0609020204030204" pitchFamily="49" charset="0"/>
+              </a:rPr>
+              <a:t>(</a:t>
+            </a:r>
+            <a:r>
+              <a:rPr lang="en-US" sz="2000" dirty="0">
+                <a:solidFill>
+                  <a:srgbClr val="2AA198"/>
+                </a:solidFill>
+                <a:latin typeface="Consolas" panose="020B0609020204030204" pitchFamily="49" charset="0"/>
+              </a:rPr>
+              <a:t>'./myModules.js'</a:t>
+            </a:r>
+            <a:r>
+              <a:rPr lang="en-US" sz="2000" dirty="0">
+                <a:solidFill>
+                  <a:srgbClr val="BBBBBB"/>
+                </a:solidFill>
+                <a:latin typeface="Consolas" panose="020B0609020204030204" pitchFamily="49" charset="0"/>
+              </a:rPr>
+              <a:t>);</a:t>
+            </a:r>
+          </a:p>
+          <a:p>
+            <a:r>
+              <a:rPr lang="en-US" sz="2000" dirty="0">
+                <a:solidFill>
+                  <a:srgbClr val="268BD2"/>
+                </a:solidFill>
+                <a:latin typeface="Consolas" panose="020B0609020204030204" pitchFamily="49" charset="0"/>
+              </a:rPr>
+              <a:t>msg</a:t>
+            </a:r>
+            <a:r>
+              <a:rPr lang="en-US" sz="2000" dirty="0">
+                <a:solidFill>
+                  <a:srgbClr val="BBBBBB"/>
+                </a:solidFill>
+                <a:latin typeface="Consolas" panose="020B0609020204030204" pitchFamily="49" charset="0"/>
+              </a:rPr>
+              <a:t>.</a:t>
+            </a:r>
+            <a:r>
+              <a:rPr lang="en-US" sz="2000" dirty="0">
+                <a:solidFill>
+                  <a:srgbClr val="268BD2"/>
+                </a:solidFill>
+                <a:latin typeface="Consolas" panose="020B0609020204030204" pitchFamily="49" charset="0"/>
+              </a:rPr>
+              <a:t>fn</a:t>
+            </a:r>
+            <a:r>
+              <a:rPr lang="en-US" sz="2000" dirty="0">
+                <a:solidFill>
+                  <a:srgbClr val="BBBBBB"/>
+                </a:solidFill>
+                <a:latin typeface="Consolas" panose="020B0609020204030204" pitchFamily="49" charset="0"/>
+              </a:rPr>
+              <a:t>(</a:t>
+            </a:r>
+            <a:r>
+              <a:rPr lang="en-US" sz="2000" dirty="0">
+                <a:solidFill>
+                  <a:srgbClr val="2AA198"/>
+                </a:solidFill>
+                <a:latin typeface="Consolas" panose="020B0609020204030204" pitchFamily="49" charset="0"/>
+              </a:rPr>
+              <a:t>'Hello World'</a:t>
+            </a:r>
+            <a:r>
+              <a:rPr lang="en-US" sz="2000" dirty="0">
+                <a:solidFill>
+                  <a:srgbClr val="BBBBBB"/>
+                </a:solidFill>
+                <a:latin typeface="Consolas" panose="020B0609020204030204" pitchFamily="49" charset="0"/>
+              </a:rPr>
+              <a:t>);</a:t>
+            </a:r>
+          </a:p>
+          <a:p>
+            <a:r>
+              <a:rPr lang="en-US" sz="2000" dirty="0" smtClean="0">
+                <a:solidFill>
+                  <a:srgbClr val="859900"/>
+                </a:solidFill>
+                <a:latin typeface="Consolas" panose="020B0609020204030204" pitchFamily="49" charset="0"/>
+              </a:rPr>
+              <a:t>console</a:t>
+            </a:r>
+            <a:r>
+              <a:rPr lang="en-US" sz="2000" dirty="0" smtClean="0">
+                <a:solidFill>
+                  <a:srgbClr val="BBBBBB"/>
+                </a:solidFill>
+                <a:latin typeface="Consolas" panose="020B0609020204030204" pitchFamily="49" charset="0"/>
+              </a:rPr>
+              <a:t>.</a:t>
+            </a:r>
+            <a:r>
+              <a:rPr lang="en-US" sz="2000" dirty="0" smtClean="0">
+                <a:solidFill>
+                  <a:srgbClr val="268BD2"/>
+                </a:solidFill>
+                <a:latin typeface="Consolas" panose="020B0609020204030204" pitchFamily="49" charset="0"/>
+              </a:rPr>
+              <a:t>log</a:t>
+            </a:r>
+            <a:r>
+              <a:rPr lang="en-US" sz="2000" dirty="0" smtClean="0">
+                <a:solidFill>
+                  <a:srgbClr val="BBBBBB"/>
+                </a:solidFill>
+                <a:latin typeface="Consolas" panose="020B0609020204030204" pitchFamily="49" charset="0"/>
+              </a:rPr>
+              <a:t>(</a:t>
+            </a:r>
+            <a:r>
+              <a:rPr lang="en-US" sz="2000" dirty="0" smtClean="0">
+                <a:solidFill>
+                  <a:srgbClr val="268BD2"/>
+                </a:solidFill>
+                <a:latin typeface="Consolas" panose="020B0609020204030204" pitchFamily="49" charset="0"/>
+              </a:rPr>
+              <a:t>msg</a:t>
+            </a:r>
+            <a:r>
+              <a:rPr lang="en-US" sz="2000" dirty="0" smtClean="0">
+                <a:solidFill>
+                  <a:srgbClr val="BBBBBB"/>
+                </a:solidFill>
+                <a:latin typeface="Consolas" panose="020B0609020204030204" pitchFamily="49" charset="0"/>
+              </a:rPr>
+              <a:t>.</a:t>
+            </a:r>
+            <a:r>
+              <a:rPr lang="en-US" sz="2000" dirty="0" smtClean="0">
+                <a:solidFill>
+                  <a:srgbClr val="268BD2"/>
+                </a:solidFill>
+                <a:latin typeface="Consolas" panose="020B0609020204030204" pitchFamily="49" charset="0"/>
+              </a:rPr>
+              <a:t>Message</a:t>
+            </a:r>
+            <a:r>
+              <a:rPr lang="en-US" sz="2000" dirty="0">
+                <a:solidFill>
+                  <a:srgbClr val="BBBBBB"/>
+                </a:solidFill>
+                <a:latin typeface="Consolas" panose="020B0609020204030204" pitchFamily="49" charset="0"/>
+              </a:rPr>
+              <a:t>);</a:t>
+            </a:r>
+            <a:endParaRPr lang="en-US" sz="2000" b="0" dirty="0">
               <a:solidFill>
-                <a:schemeClr val="tx1"/>
-              </a:solidFill>
-              <a:effectLst/>
-            </a:endParaRPr>
-          </a:p>
-          <a:p>
-            <a:pPr lvl="0"/>
-            <a:r>
-              <a:rPr kumimoji="0" lang="en-US" sz="1800" b="0" i="0" u="none" strike="noStrike" cap="none" normalizeH="0" baseline="0" dirty="0" smtClean="0">
-                <a:ln>
-                  <a:noFill/>
-                </a:ln>
-                <a:solidFill>
-                  <a:srgbClr val="333333"/>
-                </a:solidFill>
-                <a:effectLst/>
-                <a:latin typeface="Helvetica Neue"/>
-              </a:rPr>
-              <a:t>      </a:t>
-            </a:r>
-            <a:r>
-              <a:rPr lang="en-US" sz="1800" dirty="0">
-                <a:solidFill>
-                  <a:srgbClr val="008000"/>
-                </a:solidFill>
-                <a:latin typeface="Consolas" panose="020B0609020204030204" pitchFamily="49" charset="0"/>
-              </a:rPr>
-              <a:t>// or </a:t>
-            </a:r>
-            <a:r>
-              <a:rPr lang="en-US" sz="1800" dirty="0" smtClean="0">
-                <a:solidFill>
-                  <a:srgbClr val="008000"/>
-                </a:solidFill>
-                <a:latin typeface="Consolas" panose="020B0609020204030204" pitchFamily="49" charset="0"/>
-              </a:rPr>
-              <a:t>module.exports.fn </a:t>
-            </a:r>
-            <a:r>
-              <a:rPr lang="en-US" sz="1800" dirty="0">
-                <a:solidFill>
-                  <a:srgbClr val="008000"/>
-                </a:solidFill>
-                <a:latin typeface="Consolas" panose="020B0609020204030204" pitchFamily="49" charset="0"/>
-              </a:rPr>
-              <a:t>= function (msg) { … }; </a:t>
-            </a:r>
-          </a:p>
-          <a:p>
-            <a:pPr marL="0" marR="0" lvl="0" indent="0" algn="l" defTabSz="914400" rtl="0" eaLnBrk="0" fontAlgn="base" latinLnBrk="0" hangingPunct="0">
-              <a:lnSpc>
-                <a:spcPct val="100000"/>
-              </a:lnSpc>
-              <a:spcBef>
-                <a:spcPct val="0"/>
-              </a:spcBef>
-              <a:spcAft>
-                <a:spcPct val="0"/>
-              </a:spcAft>
-              <a:buClrTx/>
-              <a:buSzTx/>
-              <a:buFontTx/>
-              <a:buNone/>
-              <a:tabLst/>
-            </a:pPr>
-            <a:endParaRPr kumimoji="0" lang="en-US" sz="1800" b="0" i="0" u="none" strike="noStrike" cap="none" normalizeH="0" baseline="0" dirty="0" smtClean="0">
-              <a:ln>
-                <a:noFill/>
-              </a:ln>
-              <a:solidFill>
-                <a:srgbClr val="333333"/>
-              </a:solidFill>
-              <a:effectLst/>
-              <a:latin typeface="Helvetica Neue"/>
-            </a:endParaRPr>
-          </a:p>
-          <a:p>
-            <a:pPr lvl="0"/>
-            <a:r>
-              <a:rPr lang="en-US" sz="1800" b="1" i="1" dirty="0" smtClean="0">
-                <a:solidFill>
-                  <a:schemeClr val="accent3">
-                    <a:lumMod val="75000"/>
-                  </a:schemeClr>
-                </a:solidFill>
-                <a:latin typeface="Helvetica Neue"/>
-              </a:rPr>
-              <a:t>  app.js</a:t>
-            </a:r>
-            <a:endParaRPr kumimoji="0" lang="en-US" sz="1800" b="0" i="0" u="none" strike="noStrike" cap="none" normalizeH="0" baseline="0" dirty="0" smtClean="0">
-              <a:ln>
-                <a:noFill/>
-              </a:ln>
-              <a:solidFill>
-                <a:srgbClr val="333333"/>
-              </a:solidFill>
-              <a:effectLst/>
-              <a:latin typeface="Helvetica Neue"/>
-            </a:endParaRPr>
-          </a:p>
-          <a:p>
-            <a:pPr lvl="0"/>
-            <a:r>
-              <a:rPr kumimoji="0" lang="en-US" sz="1800" b="0" i="0" u="none" strike="noStrike" cap="none" normalizeH="0" baseline="0" dirty="0" smtClean="0">
-                <a:ln>
-                  <a:noFill/>
-                </a:ln>
-                <a:solidFill>
-                  <a:srgbClr val="0000FF"/>
-                </a:solidFill>
-                <a:effectLst/>
-                <a:latin typeface="Consolas" panose="020B0609020204030204" pitchFamily="49" charset="0"/>
-              </a:rPr>
-              <a:t>   var</a:t>
-            </a:r>
-            <a:r>
-              <a:rPr kumimoji="0" lang="en-US" sz="1800" b="0" i="0" u="none" strike="noStrike" cap="none" normalizeH="0" baseline="0" dirty="0" smtClean="0">
-                <a:ln>
-                  <a:noFill/>
-                </a:ln>
-                <a:solidFill>
-                  <a:srgbClr val="000000"/>
-                </a:solidFill>
-                <a:effectLst/>
-                <a:latin typeface="Consolas" panose="020B0609020204030204" pitchFamily="49" charset="0"/>
-              </a:rPr>
-              <a:t> msg = require(</a:t>
-            </a:r>
-            <a:r>
-              <a:rPr kumimoji="0" lang="en-US" sz="1800" b="0" i="0" u="none" strike="noStrike" cap="none" normalizeH="0" baseline="0" dirty="0" smtClean="0">
-                <a:ln>
-                  <a:noFill/>
-                </a:ln>
-                <a:solidFill>
-                  <a:srgbClr val="A31515"/>
-                </a:solidFill>
-                <a:effectLst/>
-                <a:latin typeface="Consolas" panose="020B0609020204030204" pitchFamily="49" charset="0"/>
-              </a:rPr>
-              <a:t>'./</a:t>
-            </a:r>
-            <a:r>
-              <a:rPr lang="en-US" sz="1800" dirty="0" smtClean="0">
-                <a:solidFill>
-                  <a:srgbClr val="A31515"/>
-                </a:solidFill>
-                <a:latin typeface="Consolas" panose="020B0609020204030204" pitchFamily="49" charset="0"/>
-              </a:rPr>
-              <a:t>myModules.js</a:t>
-            </a:r>
-            <a:r>
-              <a:rPr kumimoji="0" lang="en-US" sz="1800" b="0" i="0" u="none" strike="noStrike" cap="none" normalizeH="0" baseline="0" dirty="0" smtClean="0">
-                <a:ln>
-                  <a:noFill/>
-                </a:ln>
-                <a:solidFill>
-                  <a:srgbClr val="A31515"/>
-                </a:solidFill>
-                <a:effectLst/>
-                <a:latin typeface="Consolas" panose="020B0609020204030204" pitchFamily="49" charset="0"/>
-              </a:rPr>
-              <a:t>'</a:t>
-            </a:r>
-            <a:r>
-              <a:rPr kumimoji="0" lang="en-US" sz="1800" b="0" i="0" u="none" strike="noStrike" cap="none" normalizeH="0" baseline="0" dirty="0" smtClean="0">
-                <a:ln>
-                  <a:noFill/>
-                </a:ln>
-                <a:solidFill>
-                  <a:srgbClr val="000000"/>
-                </a:solidFill>
-                <a:effectLst/>
-                <a:latin typeface="Consolas" panose="020B0609020204030204" pitchFamily="49" charset="0"/>
-              </a:rPr>
-              <a:t>);</a:t>
-            </a:r>
-          </a:p>
-          <a:p>
-            <a:pPr lvl="0"/>
-            <a:r>
-              <a:rPr lang="en-US" sz="1800" dirty="0">
-                <a:solidFill>
-                  <a:srgbClr val="000000"/>
-                </a:solidFill>
-                <a:latin typeface="Consolas" panose="020B0609020204030204" pitchFamily="49" charset="0"/>
-              </a:rPr>
-              <a:t> </a:t>
-            </a:r>
-            <a:r>
-              <a:rPr lang="en-US" sz="1800" dirty="0" smtClean="0">
-                <a:solidFill>
-                  <a:srgbClr val="000000"/>
-                </a:solidFill>
-                <a:latin typeface="Consolas" panose="020B0609020204030204" pitchFamily="49" charset="0"/>
-              </a:rPr>
-              <a:t> </a:t>
-            </a:r>
-            <a:r>
-              <a:rPr kumimoji="0" lang="en-US" sz="1800" b="0" i="0" u="none" strike="noStrike" cap="none" normalizeH="0" baseline="0" dirty="0" smtClean="0">
-                <a:ln>
-                  <a:noFill/>
-                </a:ln>
-                <a:solidFill>
-                  <a:srgbClr val="000000"/>
-                </a:solidFill>
-                <a:effectLst/>
-                <a:latin typeface="Consolas" panose="020B0609020204030204" pitchFamily="49" charset="0"/>
-              </a:rPr>
-              <a:t> msg.fn(</a:t>
-            </a:r>
-            <a:r>
-              <a:rPr kumimoji="0" lang="en-US" sz="1800" b="0" i="0" u="none" strike="noStrike" cap="none" normalizeH="0" baseline="0" dirty="0" smtClean="0">
-                <a:ln>
-                  <a:noFill/>
-                </a:ln>
-                <a:solidFill>
-                  <a:srgbClr val="A31515"/>
-                </a:solidFill>
-                <a:effectLst/>
-                <a:latin typeface="Consolas" panose="020B0609020204030204" pitchFamily="49" charset="0"/>
-              </a:rPr>
-              <a:t>'Hello World'</a:t>
-            </a:r>
-            <a:r>
-              <a:rPr kumimoji="0" lang="en-US" sz="1800" b="0" i="0" u="none" strike="noStrike" cap="none" normalizeH="0" baseline="0" dirty="0" smtClean="0">
-                <a:ln>
-                  <a:noFill/>
-                </a:ln>
-                <a:solidFill>
-                  <a:srgbClr val="000000"/>
-                </a:solidFill>
-                <a:effectLst/>
-                <a:latin typeface="Consolas" panose="020B0609020204030204" pitchFamily="49" charset="0"/>
-              </a:rPr>
-              <a:t>);</a:t>
-            </a:r>
-          </a:p>
-          <a:p>
-            <a:pPr lvl="0"/>
-            <a:r>
-              <a:rPr lang="en-US" sz="1800" dirty="0" smtClean="0">
-                <a:solidFill>
-                  <a:srgbClr val="000000"/>
-                </a:solidFill>
-                <a:latin typeface="Consolas" panose="020B0609020204030204" pitchFamily="49" charset="0"/>
-              </a:rPr>
-              <a:t>   console.log(msg.Message</a:t>
-            </a:r>
-            <a:r>
-              <a:rPr lang="en-US" sz="1800" dirty="0">
-                <a:solidFill>
-                  <a:srgbClr val="000000"/>
-                </a:solidFill>
-                <a:latin typeface="Consolas" panose="020B0609020204030204" pitchFamily="49" charset="0"/>
-              </a:rPr>
-              <a:t>);</a:t>
-            </a:r>
-            <a:endParaRPr kumimoji="0" lang="en-US" sz="1800" b="0" i="0" u="none" strike="noStrike" cap="none" normalizeH="0" baseline="0" dirty="0" smtClean="0">
-              <a:ln>
-                <a:noFill/>
-              </a:ln>
-              <a:solidFill>
-                <a:srgbClr val="000000"/>
+                <a:srgbClr val="BBBBBB"/>
               </a:solidFill>
               <a:effectLst/>
               <a:latin typeface="Consolas" panose="020B0609020204030204" pitchFamily="49" charset="0"/>
-            </a:endParaRPr>
-          </a:p>
-          <a:p>
-            <a:pPr marL="0" marR="0" lvl="0" indent="0" algn="l" defTabSz="914400" rtl="0" eaLnBrk="0" fontAlgn="base" latinLnBrk="0" hangingPunct="0">
-              <a:lnSpc>
-                <a:spcPct val="100000"/>
-              </a:lnSpc>
-              <a:spcBef>
-                <a:spcPct val="0"/>
-              </a:spcBef>
-              <a:spcAft>
-                <a:spcPct val="0"/>
-              </a:spcAft>
-              <a:buClrTx/>
-              <a:buSzTx/>
-              <a:buFontTx/>
-              <a:buNone/>
-              <a:tabLst/>
-            </a:pPr>
-            <a:endParaRPr kumimoji="0" lang="en-US" sz="1800" b="0" i="0" u="none" strike="noStrike" cap="none" normalizeH="0" baseline="0" dirty="0" smtClean="0">
-              <a:ln>
-                <a:noFill/>
-              </a:ln>
-              <a:solidFill>
-                <a:schemeClr val="tx1"/>
-              </a:solidFill>
-              <a:effectLst/>
             </a:endParaRPr>
           </a:p>
         </p:txBody>
@@ -10690,39 +10568,6 @@
           <a:chExt cx="0" cy="0"/>
         </a:xfrm>
       </p:grpSpPr>
-      <p:cxnSp>
-        <p:nvCxnSpPr>
-          <p:cNvPr id="6" name="Straight Connector 5"/>
-          <p:cNvCxnSpPr/>
-          <p:nvPr/>
-        </p:nvCxnSpPr>
-        <p:spPr>
-          <a:xfrm>
-            <a:off x="0" y="1371600"/>
-            <a:ext cx="9144000" cy="1588"/>
-          </a:xfrm>
-          <a:prstGeom prst="line">
-            <a:avLst/>
-          </a:prstGeom>
-          <a:ln w="12700">
-            <a:prstDash val="dash"/>
-          </a:ln>
-        </p:spPr>
-        <p:style>
-          <a:lnRef idx="1">
-            <a:schemeClr val="accent1"/>
-          </a:lnRef>
-          <a:fillRef idx="0">
-            <a:schemeClr val="accent1"/>
-          </a:fillRef>
-          <a:effectRef idx="0">
-            <a:schemeClr val="accent1"/>
-          </a:effectRef>
-          <a:fontRef idx="minor">
-            <a:schemeClr val="tx1"/>
-          </a:fontRef>
-        </p:style>
-      </p:cxnSp>
       <p:sp>
         <p:nvSpPr>
           <p:cNvPr id="9" name="Rectangle 8"/>
@@ -10774,946 +10619,1184 @@
       </p:sp>
       <p:sp>
         <p:nvSpPr>
-          <p:cNvPr id="8" name="Rectangle 7"/>
+          <p:cNvPr id="2" name="Rectangle 1"/>
           <p:cNvSpPr/>
           <p:nvPr/>
         </p:nvSpPr>
         <p:spPr>
           <a:xfrm>
-            <a:off x="57822" y="808910"/>
-            <a:ext cx="2238113" cy="461665"/>
+            <a:off x="152400" y="838200"/>
+            <a:ext cx="8839200" cy="5355312"/>
           </a:xfrm>
           <a:prstGeom prst="rect">
             <a:avLst/>
           </a:prstGeom>
         </p:spPr>
         <p:txBody>
-          <a:bodyPr wrap="none">
-            <a:spAutoFit/>
-          </a:bodyPr>
-          <a:lstStyle/>
-          <a:p>
-            <a:r>
-              <a:rPr lang="en-IN" dirty="0">
-                <a:solidFill>
-                  <a:srgbClr val="486A80"/>
-                </a:solidFill>
-                <a:latin typeface="Helvetica Neue"/>
-              </a:rPr>
-              <a:t>Export Object </a:t>
-            </a:r>
-            <a:r>
-              <a:rPr lang="en-IN" dirty="0" smtClean="0">
-                <a:solidFill>
-                  <a:srgbClr val="486A80"/>
-                </a:solidFill>
-                <a:latin typeface="Helvetica Neue"/>
-              </a:rPr>
-              <a:t>:</a:t>
-            </a:r>
-            <a:endParaRPr lang="en-IN" b="0" i="0" dirty="0">
-              <a:solidFill>
-                <a:srgbClr val="486A80"/>
-              </a:solidFill>
-              <a:effectLst/>
-              <a:latin typeface="Helvetica Neue"/>
-            </a:endParaRPr>
-          </a:p>
-        </p:txBody>
-      </p:sp>
-      <p:sp>
-        <p:nvSpPr>
-          <p:cNvPr id="4" name="Rectangle 3"/>
-          <p:cNvSpPr/>
-          <p:nvPr/>
-        </p:nvSpPr>
-        <p:spPr>
-          <a:xfrm>
-            <a:off x="152400" y="1295400"/>
-            <a:ext cx="8839200" cy="5355312"/>
-          </a:xfrm>
-          <a:prstGeom prst="rect">
-            <a:avLst/>
-          </a:prstGeom>
-          <a:solidFill>
-            <a:schemeClr val="accent3">
-              <a:lumMod val="20000"/>
-              <a:lumOff val="80000"/>
-            </a:schemeClr>
-          </a:solidFill>
-        </p:spPr>
-        <p:txBody>
           <a:bodyPr wrap="square">
             <a:spAutoFit/>
           </a:bodyPr>
           <a:lstStyle/>
           <a:p>
             <a:r>
-              <a:rPr lang="en-US" sz="1800" b="1" i="1" dirty="0" smtClean="0">
-                <a:solidFill>
-                  <a:schemeClr val="accent3">
-                    <a:lumMod val="75000"/>
-                  </a:schemeClr>
-                </a:solidFill>
-                <a:latin typeface="Helvetica Neue"/>
-              </a:rPr>
-              <a:t>  myModules.js</a:t>
-            </a:r>
-            <a:endParaRPr lang="en-IN" sz="1800" dirty="0" smtClean="0">
+              <a:rPr lang="en-US" sz="1800" i="1" dirty="0" smtClean="0">
+                <a:solidFill>
+                  <a:srgbClr val="C00000"/>
+                </a:solidFill>
+                <a:latin typeface="Consolas" panose="020B0609020204030204" pitchFamily="49" charset="0"/>
+              </a:rPr>
+              <a:t>/* myModules.js */</a:t>
+            </a:r>
+            <a:endParaRPr lang="en-US" sz="1800" i="1" dirty="0">
               <a:solidFill>
-                <a:srgbClr val="000000"/>
+                <a:srgbClr val="C00000"/>
               </a:solidFill>
               <a:latin typeface="Consolas" panose="020B0609020204030204" pitchFamily="49" charset="0"/>
             </a:endParaRPr>
           </a:p>
           <a:p>
             <a:r>
-              <a:rPr lang="en-IN" sz="1800" dirty="0" smtClean="0">
-                <a:solidFill>
-                  <a:srgbClr val="000000"/>
-                </a:solidFill>
-                <a:latin typeface="Consolas" panose="020B0609020204030204" pitchFamily="49" charset="0"/>
-              </a:rPr>
-              <a:t>   exports.hello </a:t>
-            </a:r>
-            <a:r>
-              <a:rPr lang="en-IN" sz="1800" dirty="0">
-                <a:solidFill>
-                  <a:srgbClr val="000000"/>
-                </a:solidFill>
-                <a:latin typeface="Consolas" panose="020B0609020204030204" pitchFamily="49" charset="0"/>
-              </a:rPr>
-              <a:t>= </a:t>
-            </a:r>
-            <a:r>
-              <a:rPr lang="en-IN" sz="1800" dirty="0">
-                <a:solidFill>
-                  <a:srgbClr val="A31515"/>
-                </a:solidFill>
-                <a:latin typeface="Consolas" panose="020B0609020204030204" pitchFamily="49" charset="0"/>
-              </a:rPr>
-              <a:t>'Hello</a:t>
-            </a:r>
-            <a:r>
-              <a:rPr lang="en-IN" sz="1800" dirty="0" smtClean="0">
-                <a:solidFill>
-                  <a:srgbClr val="A31515"/>
-                </a:solidFill>
-                <a:latin typeface="Consolas" panose="020B0609020204030204" pitchFamily="49" charset="0"/>
-              </a:rPr>
-              <a:t>'</a:t>
-            </a:r>
-            <a:r>
-              <a:rPr lang="en-IN" sz="1800" dirty="0" smtClean="0">
-                <a:solidFill>
-                  <a:srgbClr val="000000"/>
+              <a:rPr lang="en-US" sz="1800" dirty="0">
+                <a:solidFill>
+                  <a:srgbClr val="859900"/>
+                </a:solidFill>
+                <a:latin typeface="Consolas" panose="020B0609020204030204" pitchFamily="49" charset="0"/>
+              </a:rPr>
+              <a:t>exports</a:t>
+            </a:r>
+            <a:r>
+              <a:rPr lang="en-US" sz="1800" dirty="0">
+                <a:solidFill>
+                  <a:srgbClr val="BBBBBB"/>
+                </a:solidFill>
+                <a:latin typeface="Consolas" panose="020B0609020204030204" pitchFamily="49" charset="0"/>
+              </a:rPr>
+              <a:t>.</a:t>
+            </a:r>
+            <a:r>
+              <a:rPr lang="en-US" sz="1800" dirty="0">
+                <a:solidFill>
+                  <a:srgbClr val="268BD2"/>
+                </a:solidFill>
+                <a:latin typeface="Consolas" panose="020B0609020204030204" pitchFamily="49" charset="0"/>
+              </a:rPr>
+              <a:t>hello</a:t>
+            </a:r>
+            <a:r>
+              <a:rPr lang="en-US" sz="1800" dirty="0">
+                <a:solidFill>
+                  <a:srgbClr val="BBBBBB"/>
+                </a:solidFill>
+                <a:latin typeface="Consolas" panose="020B0609020204030204" pitchFamily="49" charset="0"/>
+              </a:rPr>
+              <a:t> </a:t>
+            </a:r>
+            <a:r>
+              <a:rPr lang="en-US" sz="1800" dirty="0">
+                <a:solidFill>
+                  <a:srgbClr val="859900"/>
+                </a:solidFill>
+                <a:latin typeface="Consolas" panose="020B0609020204030204" pitchFamily="49" charset="0"/>
+              </a:rPr>
+              <a:t>=</a:t>
+            </a:r>
+            <a:r>
+              <a:rPr lang="en-US" sz="1800" dirty="0">
+                <a:solidFill>
+                  <a:srgbClr val="BBBBBB"/>
+                </a:solidFill>
+                <a:latin typeface="Consolas" panose="020B0609020204030204" pitchFamily="49" charset="0"/>
+              </a:rPr>
+              <a:t> </a:t>
+            </a:r>
+            <a:r>
+              <a:rPr lang="en-US" sz="1800" dirty="0">
+                <a:solidFill>
+                  <a:srgbClr val="2AA198"/>
+                </a:solidFill>
+                <a:latin typeface="Consolas" panose="020B0609020204030204" pitchFamily="49" charset="0"/>
+              </a:rPr>
+              <a:t>'Hello'</a:t>
+            </a:r>
+            <a:r>
+              <a:rPr lang="en-US" sz="1800" dirty="0">
+                <a:solidFill>
+                  <a:srgbClr val="BBBBBB"/>
                 </a:solidFill>
                 <a:latin typeface="Consolas" panose="020B0609020204030204" pitchFamily="49" charset="0"/>
               </a:rPr>
               <a:t>; </a:t>
             </a:r>
             <a:r>
-              <a:rPr lang="en-US" sz="1700" dirty="0">
-                <a:solidFill>
-                  <a:srgbClr val="008000"/>
-                </a:solidFill>
-                <a:latin typeface="Consolas" panose="020B0609020204030204" pitchFamily="49" charset="0"/>
-              </a:rPr>
-              <a:t>// or</a:t>
-            </a:r>
-            <a:r>
-              <a:rPr lang="en-US" sz="1700" dirty="0">
-                <a:solidFill>
-                  <a:srgbClr val="000000"/>
-                </a:solidFill>
-                <a:latin typeface="Consolas" panose="020B0609020204030204" pitchFamily="49" charset="0"/>
-              </a:rPr>
-              <a:t> </a:t>
-            </a:r>
-            <a:r>
-              <a:rPr lang="en-US" sz="1700" dirty="0" smtClean="0">
-                <a:solidFill>
-                  <a:srgbClr val="008000"/>
-                </a:solidFill>
-                <a:latin typeface="Consolas" panose="020B0609020204030204" pitchFamily="49" charset="0"/>
-              </a:rPr>
-              <a:t>module.exports.hello </a:t>
-            </a:r>
-            <a:r>
-              <a:rPr lang="en-US" sz="1700" dirty="0">
-                <a:solidFill>
-                  <a:srgbClr val="008000"/>
-                </a:solidFill>
-                <a:latin typeface="Consolas" panose="020B0609020204030204" pitchFamily="49" charset="0"/>
-              </a:rPr>
-              <a:t>= 'Hello world'</a:t>
-            </a:r>
-            <a:r>
-              <a:rPr lang="en-US" sz="1700" dirty="0">
-                <a:solidFill>
-                  <a:srgbClr val="000000"/>
-                </a:solidFill>
-                <a:latin typeface="Consolas" panose="020B0609020204030204" pitchFamily="49" charset="0"/>
-              </a:rPr>
-              <a:t>;</a:t>
-            </a:r>
-            <a:endParaRPr lang="en-IN" sz="1700" dirty="0">
+              <a:rPr lang="en-US" sz="1800" i="1" dirty="0" smtClean="0">
+                <a:solidFill>
+                  <a:srgbClr val="00B050"/>
+                </a:solidFill>
+                <a:latin typeface="Consolas" panose="020B0609020204030204" pitchFamily="49" charset="0"/>
+              </a:rPr>
+              <a:t>// </a:t>
+            </a:r>
+            <a:r>
+              <a:rPr lang="en-US" sz="1800" i="1" dirty="0">
+                <a:solidFill>
+                  <a:srgbClr val="00B050"/>
+                </a:solidFill>
+                <a:latin typeface="Consolas" panose="020B0609020204030204" pitchFamily="49" charset="0"/>
+              </a:rPr>
+              <a:t>or module.exports.hello = 'Hello world';</a:t>
+            </a:r>
+            <a:endParaRPr lang="en-US" sz="1800" dirty="0">
               <a:solidFill>
-                <a:srgbClr val="000000"/>
+                <a:srgbClr val="00B050"/>
               </a:solidFill>
               <a:latin typeface="Consolas" panose="020B0609020204030204" pitchFamily="49" charset="0"/>
             </a:endParaRPr>
           </a:p>
           <a:p>
             <a:r>
-              <a:rPr lang="en-IN" sz="1800" dirty="0" smtClean="0">
-                <a:solidFill>
-                  <a:srgbClr val="000000"/>
-                </a:solidFill>
-                <a:latin typeface="Consolas" panose="020B0609020204030204" pitchFamily="49" charset="0"/>
-              </a:rPr>
-              <a:t>   exports.fn </a:t>
-            </a:r>
-            <a:r>
-              <a:rPr lang="en-IN" sz="1800" dirty="0">
-                <a:solidFill>
-                  <a:srgbClr val="000000"/>
-                </a:solidFill>
-                <a:latin typeface="Consolas" panose="020B0609020204030204" pitchFamily="49" charset="0"/>
-              </a:rPr>
-              <a:t>= </a:t>
-            </a:r>
-            <a:r>
-              <a:rPr lang="en-IN" sz="1800" dirty="0">
-                <a:solidFill>
-                  <a:srgbClr val="0000FF"/>
+              <a:rPr lang="en-US" sz="1800" dirty="0">
+                <a:solidFill>
+                  <a:srgbClr val="859900"/>
+                </a:solidFill>
+                <a:latin typeface="Consolas" panose="020B0609020204030204" pitchFamily="49" charset="0"/>
+              </a:rPr>
+              <a:t>exports</a:t>
+            </a:r>
+            <a:r>
+              <a:rPr lang="en-US" sz="1800" dirty="0">
+                <a:solidFill>
+                  <a:srgbClr val="BBBBBB"/>
+                </a:solidFill>
+                <a:latin typeface="Consolas" panose="020B0609020204030204" pitchFamily="49" charset="0"/>
+              </a:rPr>
+              <a:t>.</a:t>
+            </a:r>
+            <a:r>
+              <a:rPr lang="en-US" sz="1800" dirty="0">
+                <a:solidFill>
+                  <a:srgbClr val="268BD2"/>
+                </a:solidFill>
+                <a:latin typeface="Consolas" panose="020B0609020204030204" pitchFamily="49" charset="0"/>
+              </a:rPr>
+              <a:t>fn</a:t>
+            </a:r>
+            <a:r>
+              <a:rPr lang="en-US" sz="1800" dirty="0">
+                <a:solidFill>
+                  <a:srgbClr val="BBBBBB"/>
+                </a:solidFill>
+                <a:latin typeface="Consolas" panose="020B0609020204030204" pitchFamily="49" charset="0"/>
+              </a:rPr>
+              <a:t> </a:t>
+            </a:r>
+            <a:r>
+              <a:rPr lang="en-US" sz="1800" dirty="0">
+                <a:solidFill>
+                  <a:srgbClr val="859900"/>
+                </a:solidFill>
+                <a:latin typeface="Consolas" panose="020B0609020204030204" pitchFamily="49" charset="0"/>
+              </a:rPr>
+              <a:t>=</a:t>
+            </a:r>
+            <a:r>
+              <a:rPr lang="en-US" sz="1800" dirty="0">
+                <a:solidFill>
+                  <a:srgbClr val="BBBBBB"/>
+                </a:solidFill>
+                <a:latin typeface="Consolas" panose="020B0609020204030204" pitchFamily="49" charset="0"/>
+              </a:rPr>
+              <a:t> </a:t>
+            </a:r>
+            <a:r>
+              <a:rPr lang="en-US" sz="1800" b="1" dirty="0">
+                <a:solidFill>
+                  <a:srgbClr val="93A1A1"/>
                 </a:solidFill>
                 <a:latin typeface="Consolas" panose="020B0609020204030204" pitchFamily="49" charset="0"/>
               </a:rPr>
               <a:t>function</a:t>
             </a:r>
             <a:r>
-              <a:rPr lang="en-IN" sz="1800" dirty="0">
-                <a:solidFill>
-                  <a:srgbClr val="000000"/>
-                </a:solidFill>
-                <a:latin typeface="Consolas" panose="020B0609020204030204" pitchFamily="49" charset="0"/>
-              </a:rPr>
-              <a:t> (msg) </a:t>
-            </a:r>
-            <a:r>
-              <a:rPr lang="en-IN" sz="1800" dirty="0" smtClean="0">
-                <a:solidFill>
-                  <a:srgbClr val="000000"/>
-                </a:solidFill>
-                <a:latin typeface="Consolas" panose="020B0609020204030204" pitchFamily="49" charset="0"/>
-              </a:rPr>
-              <a:t>{</a:t>
+              <a:rPr lang="en-US" sz="1800" dirty="0">
+                <a:solidFill>
+                  <a:srgbClr val="BBBBBB"/>
+                </a:solidFill>
+                <a:latin typeface="Consolas" panose="020B0609020204030204" pitchFamily="49" charset="0"/>
+              </a:rPr>
+              <a:t> (msg) { </a:t>
+            </a:r>
+          </a:p>
+          <a:p>
+            <a:r>
+              <a:rPr lang="en-US" sz="1800" dirty="0">
+                <a:solidFill>
+                  <a:srgbClr val="859900"/>
+                </a:solidFill>
+                <a:latin typeface="Consolas" panose="020B0609020204030204" pitchFamily="49" charset="0"/>
+              </a:rPr>
+              <a:t> </a:t>
             </a:r>
             <a:r>
               <a:rPr lang="en-US" sz="1800" dirty="0" smtClean="0">
                 <a:solidFill>
-                  <a:srgbClr val="008000"/>
-                </a:solidFill>
-                <a:latin typeface="Consolas" panose="020B0609020204030204" pitchFamily="49" charset="0"/>
-              </a:rPr>
-              <a:t> </a:t>
-            </a:r>
-            <a:endParaRPr lang="en-IN" sz="1800" dirty="0">
+                  <a:srgbClr val="859900"/>
+                </a:solidFill>
+                <a:latin typeface="Consolas" panose="020B0609020204030204" pitchFamily="49" charset="0"/>
+              </a:rPr>
+              <a:t>   return</a:t>
+            </a:r>
+            <a:r>
+              <a:rPr lang="en-US" sz="1800" dirty="0" smtClean="0">
+                <a:solidFill>
+                  <a:srgbClr val="BBBBBB"/>
+                </a:solidFill>
+                <a:latin typeface="Consolas" panose="020B0609020204030204" pitchFamily="49" charset="0"/>
+              </a:rPr>
+              <a:t>(</a:t>
+            </a:r>
+            <a:r>
+              <a:rPr lang="en-US" sz="1800" dirty="0" smtClean="0">
+                <a:solidFill>
+                  <a:srgbClr val="268BD2"/>
+                </a:solidFill>
+                <a:latin typeface="Consolas" panose="020B0609020204030204" pitchFamily="49" charset="0"/>
+              </a:rPr>
+              <a:t>msg</a:t>
+            </a:r>
+            <a:r>
+              <a:rPr lang="en-US" sz="1800" dirty="0">
+                <a:solidFill>
+                  <a:srgbClr val="BBBBBB"/>
+                </a:solidFill>
+                <a:latin typeface="Consolas" panose="020B0609020204030204" pitchFamily="49" charset="0"/>
+              </a:rPr>
+              <a:t>);</a:t>
+            </a:r>
+          </a:p>
+          <a:p>
+            <a:r>
+              <a:rPr lang="en-US" sz="1800" dirty="0">
+                <a:solidFill>
+                  <a:srgbClr val="BBBBBB"/>
+                </a:solidFill>
+                <a:latin typeface="Consolas" panose="020B0609020204030204" pitchFamily="49" charset="0"/>
+              </a:rPr>
+              <a:t>} </a:t>
+            </a:r>
+            <a:r>
+              <a:rPr lang="en-US" sz="1800" i="1" dirty="0">
+                <a:solidFill>
+                  <a:srgbClr val="00B050"/>
+                </a:solidFill>
+                <a:latin typeface="Consolas" panose="020B0609020204030204" pitchFamily="49" charset="0"/>
+              </a:rPr>
+              <a:t>// or module.exports.fn = function (msg) { … };</a:t>
+            </a:r>
+            <a:endParaRPr lang="en-US" sz="1800" dirty="0">
               <a:solidFill>
-                <a:srgbClr val="000000"/>
+                <a:srgbClr val="00B050"/>
               </a:solidFill>
               <a:latin typeface="Consolas" panose="020B0609020204030204" pitchFamily="49" charset="0"/>
             </a:endParaRPr>
           </a:p>
           <a:p>
             <a:r>
-              <a:rPr lang="en-IN" sz="1800" dirty="0">
-                <a:solidFill>
-                  <a:srgbClr val="000000"/>
-                </a:solidFill>
-                <a:latin typeface="Consolas" panose="020B0609020204030204" pitchFamily="49" charset="0"/>
-              </a:rPr>
-              <a:t>   </a:t>
-            </a:r>
-            <a:r>
-              <a:rPr lang="en-IN" sz="1800" dirty="0" smtClean="0">
-                <a:solidFill>
-                  <a:srgbClr val="000000"/>
-                </a:solidFill>
-                <a:latin typeface="Consolas" panose="020B0609020204030204" pitchFamily="49" charset="0"/>
-              </a:rPr>
-              <a:t>    </a:t>
-            </a:r>
-            <a:r>
-              <a:rPr lang="en-IN" sz="1800" dirty="0">
-                <a:solidFill>
-                  <a:srgbClr val="0000FF"/>
-                </a:solidFill>
-                <a:latin typeface="Consolas" panose="020B0609020204030204" pitchFamily="49" charset="0"/>
-              </a:rPr>
-              <a:t>return</a:t>
-            </a:r>
-            <a:r>
-              <a:rPr lang="en-IN" sz="1800" dirty="0">
-                <a:solidFill>
-                  <a:srgbClr val="000000"/>
-                </a:solidFill>
-                <a:latin typeface="Consolas" panose="020B0609020204030204" pitchFamily="49" charset="0"/>
-              </a:rPr>
-              <a:t>(msg);</a:t>
-            </a:r>
-          </a:p>
-          <a:p>
-            <a:r>
-              <a:rPr lang="en-IN" sz="1800" dirty="0" smtClean="0">
-                <a:solidFill>
-                  <a:srgbClr val="000000"/>
-                </a:solidFill>
-                <a:latin typeface="Consolas" panose="020B0609020204030204" pitchFamily="49" charset="0"/>
-              </a:rPr>
-              <a:t>   }                </a:t>
-            </a:r>
+              <a:rPr lang="en-US" sz="1800" dirty="0">
+                <a:solidFill>
+                  <a:srgbClr val="859900"/>
+                </a:solidFill>
+                <a:latin typeface="Consolas" panose="020B0609020204030204" pitchFamily="49" charset="0"/>
+              </a:rPr>
+              <a:t>exports</a:t>
+            </a:r>
+            <a:r>
+              <a:rPr lang="en-US" sz="1800" dirty="0">
+                <a:solidFill>
+                  <a:srgbClr val="BBBBBB"/>
+                </a:solidFill>
+                <a:latin typeface="Consolas" panose="020B0609020204030204" pitchFamily="49" charset="0"/>
+              </a:rPr>
+              <a:t>.</a:t>
+            </a:r>
+            <a:r>
+              <a:rPr lang="en-US" sz="1800" dirty="0">
+                <a:solidFill>
+                  <a:srgbClr val="268BD2"/>
+                </a:solidFill>
+                <a:latin typeface="Consolas" panose="020B0609020204030204" pitchFamily="49" charset="0"/>
+              </a:rPr>
+              <a:t>Customers</a:t>
+            </a:r>
+            <a:r>
+              <a:rPr lang="en-US" sz="1800" dirty="0">
+                <a:solidFill>
+                  <a:srgbClr val="BBBBBB"/>
+                </a:solidFill>
+                <a:latin typeface="Consolas" panose="020B0609020204030204" pitchFamily="49" charset="0"/>
+              </a:rPr>
+              <a:t> </a:t>
+            </a:r>
+            <a:r>
+              <a:rPr lang="en-US" sz="1800" dirty="0">
+                <a:solidFill>
+                  <a:srgbClr val="859900"/>
+                </a:solidFill>
+                <a:latin typeface="Consolas" panose="020B0609020204030204" pitchFamily="49" charset="0"/>
+              </a:rPr>
+              <a:t>=</a:t>
+            </a:r>
+            <a:r>
+              <a:rPr lang="en-US" sz="1800" dirty="0">
+                <a:solidFill>
+                  <a:srgbClr val="BBBBBB"/>
+                </a:solidFill>
+                <a:latin typeface="Consolas" panose="020B0609020204030204" pitchFamily="49" charset="0"/>
+              </a:rPr>
+              <a:t> {</a:t>
+            </a:r>
+          </a:p>
+          <a:p>
             <a:r>
               <a:rPr lang="en-US" sz="1800" dirty="0" smtClean="0">
                 <a:solidFill>
-                  <a:srgbClr val="008000"/>
-                </a:solidFill>
-                <a:latin typeface="Consolas" panose="020B0609020204030204" pitchFamily="49" charset="0"/>
-              </a:rPr>
-              <a:t>// </a:t>
+                  <a:srgbClr val="BBBBBB"/>
+                </a:solidFill>
+                <a:latin typeface="Consolas" panose="020B0609020204030204" pitchFamily="49" charset="0"/>
+              </a:rPr>
+              <a:t>    customerCode</a:t>
             </a:r>
             <a:r>
               <a:rPr lang="en-US" sz="1800" dirty="0">
                 <a:solidFill>
-                  <a:srgbClr val="008000"/>
-                </a:solidFill>
-                <a:latin typeface="Consolas" panose="020B0609020204030204" pitchFamily="49" charset="0"/>
-              </a:rPr>
-              <a:t>or module.exports.fn = function (msg) { … };</a:t>
-            </a:r>
-            <a:endParaRPr lang="en-IN" sz="1800" dirty="0">
+                  <a:srgbClr val="BBBBBB"/>
+                </a:solidFill>
+                <a:latin typeface="Consolas" panose="020B0609020204030204" pitchFamily="49" charset="0"/>
+              </a:rPr>
+              <a:t>: </a:t>
+            </a:r>
+            <a:r>
+              <a:rPr lang="en-US" sz="1800" dirty="0">
+                <a:solidFill>
+                  <a:srgbClr val="D33682"/>
+                </a:solidFill>
+                <a:latin typeface="Consolas" panose="020B0609020204030204" pitchFamily="49" charset="0"/>
+              </a:rPr>
+              <a:t>1001</a:t>
+            </a:r>
+            <a:r>
+              <a:rPr lang="en-US" sz="1800" dirty="0">
+                <a:solidFill>
+                  <a:srgbClr val="BBBBBB"/>
+                </a:solidFill>
+                <a:latin typeface="Consolas" panose="020B0609020204030204" pitchFamily="49" charset="0"/>
+              </a:rPr>
+              <a:t>, customerName : </a:t>
+            </a:r>
+            <a:r>
+              <a:rPr lang="en-US" sz="1800" dirty="0">
+                <a:solidFill>
+                  <a:srgbClr val="2AA198"/>
+                </a:solidFill>
+                <a:latin typeface="Consolas" panose="020B0609020204030204" pitchFamily="49" charset="0"/>
+              </a:rPr>
+              <a:t>"Sharmin Bagde"</a:t>
+            </a:r>
+            <a:r>
+              <a:rPr lang="en-US" sz="1800" dirty="0">
+                <a:solidFill>
+                  <a:srgbClr val="BBBBBB"/>
+                </a:solidFill>
+                <a:latin typeface="Consolas" panose="020B0609020204030204" pitchFamily="49" charset="0"/>
+              </a:rPr>
+              <a:t>, </a:t>
+            </a:r>
+          </a:p>
+          <a:p>
+            <a:r>
+              <a:rPr lang="en-US" sz="1800" dirty="0" smtClean="0">
+                <a:solidFill>
+                  <a:srgbClr val="BBBBBB"/>
+                </a:solidFill>
+                <a:latin typeface="Consolas" panose="020B0609020204030204" pitchFamily="49" charset="0"/>
+              </a:rPr>
+              <a:t>    customerLocation </a:t>
+            </a:r>
+            <a:r>
+              <a:rPr lang="en-US" sz="1800" dirty="0">
+                <a:solidFill>
+                  <a:srgbClr val="BBBBBB"/>
+                </a:solidFill>
+                <a:latin typeface="Consolas" panose="020B0609020204030204" pitchFamily="49" charset="0"/>
+              </a:rPr>
+              <a:t>: </a:t>
+            </a:r>
+            <a:r>
+              <a:rPr lang="en-US" sz="1800" dirty="0">
+                <a:solidFill>
+                  <a:srgbClr val="2AA198"/>
+                </a:solidFill>
+                <a:latin typeface="Consolas" panose="020B0609020204030204" pitchFamily="49" charset="0"/>
+              </a:rPr>
+              <a:t>'Pune'</a:t>
+            </a:r>
+            <a:r>
+              <a:rPr lang="en-US" sz="1800" dirty="0">
+                <a:solidFill>
+                  <a:srgbClr val="BBBBBB"/>
+                </a:solidFill>
+                <a:latin typeface="Consolas" panose="020B0609020204030204" pitchFamily="49" charset="0"/>
+              </a:rPr>
+              <a:t>, customerAge : </a:t>
+            </a:r>
+            <a:r>
+              <a:rPr lang="en-US" sz="1800" dirty="0">
+                <a:solidFill>
+                  <a:srgbClr val="2AA198"/>
+                </a:solidFill>
+                <a:latin typeface="Consolas" panose="020B0609020204030204" pitchFamily="49" charset="0"/>
+              </a:rPr>
+              <a:t>'17 years'</a:t>
+            </a:r>
+            <a:r>
+              <a:rPr lang="en-US" sz="1800" dirty="0">
+                <a:solidFill>
+                  <a:srgbClr val="BBBBBB"/>
+                </a:solidFill>
+                <a:latin typeface="Consolas" panose="020B0609020204030204" pitchFamily="49" charset="0"/>
+              </a:rPr>
+              <a:t>, </a:t>
+            </a:r>
+          </a:p>
+          <a:p>
+            <a:r>
+              <a:rPr lang="en-US" sz="1800" dirty="0" smtClean="0">
+                <a:solidFill>
+                  <a:srgbClr val="BBBBBB"/>
+                </a:solidFill>
+                <a:latin typeface="Consolas" panose="020B0609020204030204" pitchFamily="49" charset="0"/>
+              </a:rPr>
+              <a:t>    customerMobile</a:t>
+            </a:r>
+            <a:r>
+              <a:rPr lang="en-US" sz="1800" dirty="0">
+                <a:solidFill>
+                  <a:srgbClr val="BBBBBB"/>
+                </a:solidFill>
+                <a:latin typeface="Consolas" panose="020B0609020204030204" pitchFamily="49" charset="0"/>
+              </a:rPr>
+              <a:t>: </a:t>
+            </a:r>
+            <a:r>
+              <a:rPr lang="en-US" sz="1800" dirty="0">
+                <a:solidFill>
+                  <a:srgbClr val="2AA198"/>
+                </a:solidFill>
+                <a:latin typeface="Consolas" panose="020B0609020204030204" pitchFamily="49" charset="0"/>
+              </a:rPr>
+              <a:t>"9850884..."</a:t>
+            </a:r>
+            <a:r>
+              <a:rPr lang="en-US" sz="1800" dirty="0">
+                <a:solidFill>
+                  <a:srgbClr val="BBBBBB"/>
+                </a:solidFill>
+                <a:latin typeface="Consolas" panose="020B0609020204030204" pitchFamily="49" charset="0"/>
+              </a:rPr>
+              <a:t>,</a:t>
+            </a:r>
+          </a:p>
+          <a:p>
+            <a:r>
+              <a:rPr lang="en-US" sz="1800" dirty="0" smtClean="0">
+                <a:solidFill>
+                  <a:srgbClr val="268BD2"/>
+                </a:solidFill>
+                <a:latin typeface="Consolas" panose="020B0609020204030204" pitchFamily="49" charset="0"/>
+              </a:rPr>
+              <a:t>    customerDetails</a:t>
+            </a:r>
+            <a:r>
+              <a:rPr lang="en-US" sz="1800" dirty="0">
+                <a:solidFill>
+                  <a:srgbClr val="BBBBBB"/>
+                </a:solidFill>
+                <a:latin typeface="Consolas" panose="020B0609020204030204" pitchFamily="49" charset="0"/>
+              </a:rPr>
+              <a:t>: </a:t>
+            </a:r>
+            <a:r>
+              <a:rPr lang="en-US" sz="1800" b="1" dirty="0">
+                <a:solidFill>
+                  <a:srgbClr val="93A1A1"/>
+                </a:solidFill>
+                <a:latin typeface="Consolas" panose="020B0609020204030204" pitchFamily="49" charset="0"/>
+              </a:rPr>
+              <a:t>function</a:t>
+            </a:r>
+            <a:r>
+              <a:rPr lang="en-US" sz="1800" dirty="0">
+                <a:solidFill>
+                  <a:srgbClr val="BBBBBB"/>
+                </a:solidFill>
+                <a:latin typeface="Consolas" panose="020B0609020204030204" pitchFamily="49" charset="0"/>
+              </a:rPr>
+              <a:t> () {</a:t>
+            </a:r>
+          </a:p>
+          <a:p>
+            <a:r>
+              <a:rPr lang="en-US" sz="1800" dirty="0" smtClean="0">
+                <a:solidFill>
+                  <a:srgbClr val="859900"/>
+                </a:solidFill>
+                <a:latin typeface="Consolas" panose="020B0609020204030204" pitchFamily="49" charset="0"/>
+              </a:rPr>
+              <a:t>        return</a:t>
+            </a:r>
+            <a:r>
+              <a:rPr lang="en-US" sz="1800" dirty="0" smtClean="0">
+                <a:solidFill>
+                  <a:srgbClr val="BBBBBB"/>
+                </a:solidFill>
+                <a:latin typeface="Consolas" panose="020B0609020204030204" pitchFamily="49" charset="0"/>
+              </a:rPr>
+              <a:t> </a:t>
+            </a:r>
+            <a:r>
+              <a:rPr lang="en-US" sz="1800" dirty="0">
+                <a:solidFill>
+                  <a:srgbClr val="BBBBBB"/>
+                </a:solidFill>
+                <a:latin typeface="Consolas" panose="020B0609020204030204" pitchFamily="49" charset="0"/>
+              </a:rPr>
+              <a:t>(</a:t>
+            </a:r>
+            <a:r>
+              <a:rPr lang="en-US" sz="1800" dirty="0">
+                <a:solidFill>
+                  <a:srgbClr val="268BD2"/>
+                </a:solidFill>
+                <a:latin typeface="Consolas" panose="020B0609020204030204" pitchFamily="49" charset="0"/>
+              </a:rPr>
+              <a:t>this</a:t>
+            </a:r>
+            <a:r>
+              <a:rPr lang="en-US" sz="1800" dirty="0">
+                <a:solidFill>
+                  <a:srgbClr val="BBBBBB"/>
+                </a:solidFill>
+                <a:latin typeface="Consolas" panose="020B0609020204030204" pitchFamily="49" charset="0"/>
+              </a:rPr>
+              <a:t>.</a:t>
+            </a:r>
+            <a:r>
+              <a:rPr lang="en-US" sz="1800" dirty="0">
+                <a:solidFill>
+                  <a:srgbClr val="268BD2"/>
+                </a:solidFill>
+                <a:latin typeface="Consolas" panose="020B0609020204030204" pitchFamily="49" charset="0"/>
+              </a:rPr>
+              <a:t>customerCode</a:t>
+            </a:r>
+            <a:r>
+              <a:rPr lang="en-US" sz="1800" dirty="0">
+                <a:solidFill>
+                  <a:srgbClr val="BBBBBB"/>
+                </a:solidFill>
+                <a:latin typeface="Consolas" panose="020B0609020204030204" pitchFamily="49" charset="0"/>
+              </a:rPr>
+              <a:t> </a:t>
+            </a:r>
+            <a:r>
+              <a:rPr lang="en-US" sz="1800" dirty="0">
+                <a:solidFill>
+                  <a:srgbClr val="859900"/>
+                </a:solidFill>
+                <a:latin typeface="Consolas" panose="020B0609020204030204" pitchFamily="49" charset="0"/>
+              </a:rPr>
+              <a:t>+</a:t>
+            </a:r>
+            <a:r>
+              <a:rPr lang="en-US" sz="1800" dirty="0">
+                <a:solidFill>
+                  <a:srgbClr val="BBBBBB"/>
+                </a:solidFill>
+                <a:latin typeface="Consolas" panose="020B0609020204030204" pitchFamily="49" charset="0"/>
+              </a:rPr>
+              <a:t> </a:t>
+            </a:r>
+            <a:r>
+              <a:rPr lang="en-US" sz="1800" dirty="0">
+                <a:solidFill>
+                  <a:srgbClr val="2AA198"/>
+                </a:solidFill>
+                <a:latin typeface="Consolas" panose="020B0609020204030204" pitchFamily="49" charset="0"/>
+              </a:rPr>
+              <a:t>" "</a:t>
+            </a:r>
+            <a:r>
+              <a:rPr lang="en-US" sz="1800" dirty="0">
+                <a:solidFill>
+                  <a:srgbClr val="BBBBBB"/>
+                </a:solidFill>
+                <a:latin typeface="Consolas" panose="020B0609020204030204" pitchFamily="49" charset="0"/>
+              </a:rPr>
+              <a:t> </a:t>
+            </a:r>
+            <a:r>
+              <a:rPr lang="en-US" sz="1800" dirty="0">
+                <a:solidFill>
+                  <a:srgbClr val="859900"/>
+                </a:solidFill>
+                <a:latin typeface="Consolas" panose="020B0609020204030204" pitchFamily="49" charset="0"/>
+              </a:rPr>
+              <a:t>+</a:t>
+            </a:r>
+            <a:r>
+              <a:rPr lang="en-US" sz="1800" dirty="0">
+                <a:solidFill>
+                  <a:srgbClr val="BBBBBB"/>
+                </a:solidFill>
+                <a:latin typeface="Consolas" panose="020B0609020204030204" pitchFamily="49" charset="0"/>
+              </a:rPr>
+              <a:t> </a:t>
+            </a:r>
+            <a:r>
+              <a:rPr lang="en-US" sz="1800" dirty="0">
+                <a:solidFill>
+                  <a:srgbClr val="268BD2"/>
+                </a:solidFill>
+                <a:latin typeface="Consolas" panose="020B0609020204030204" pitchFamily="49" charset="0"/>
+              </a:rPr>
+              <a:t>this</a:t>
+            </a:r>
+            <a:r>
+              <a:rPr lang="en-US" sz="1800" dirty="0">
+                <a:solidFill>
+                  <a:srgbClr val="BBBBBB"/>
+                </a:solidFill>
+                <a:latin typeface="Consolas" panose="020B0609020204030204" pitchFamily="49" charset="0"/>
+              </a:rPr>
+              <a:t>.</a:t>
+            </a:r>
+            <a:r>
+              <a:rPr lang="en-US" sz="1800" dirty="0">
+                <a:solidFill>
+                  <a:srgbClr val="268BD2"/>
+                </a:solidFill>
+                <a:latin typeface="Consolas" panose="020B0609020204030204" pitchFamily="49" charset="0"/>
+              </a:rPr>
+              <a:t>customerName</a:t>
+            </a:r>
+            <a:r>
+              <a:rPr lang="en-US" sz="1800" dirty="0">
+                <a:solidFill>
+                  <a:srgbClr val="BBBBBB"/>
+                </a:solidFill>
+                <a:latin typeface="Consolas" panose="020B0609020204030204" pitchFamily="49" charset="0"/>
+              </a:rPr>
+              <a:t>);</a:t>
+            </a:r>
+          </a:p>
+          <a:p>
+            <a:r>
+              <a:rPr lang="en-US" sz="1800" dirty="0" smtClean="0">
+                <a:solidFill>
+                  <a:srgbClr val="BBBBBB"/>
+                </a:solidFill>
+                <a:latin typeface="Consolas" panose="020B0609020204030204" pitchFamily="49" charset="0"/>
+              </a:rPr>
+              <a:t>    }</a:t>
+            </a:r>
+            <a:endParaRPr lang="en-US" sz="1800" dirty="0">
               <a:solidFill>
-                <a:srgbClr val="000000"/>
+                <a:srgbClr val="BBBBBB"/>
               </a:solidFill>
               <a:latin typeface="Consolas" panose="020B0609020204030204" pitchFamily="49" charset="0"/>
             </a:endParaRPr>
           </a:p>
           <a:p>
             <a:r>
-              <a:rPr lang="en-IN" sz="1800" dirty="0" smtClean="0">
-                <a:solidFill>
-                  <a:srgbClr val="000000"/>
-                </a:solidFill>
-                <a:latin typeface="Consolas" panose="020B0609020204030204" pitchFamily="49" charset="0"/>
-              </a:rPr>
-              <a:t>   exports.Customers </a:t>
-            </a:r>
-            <a:r>
-              <a:rPr lang="en-IN" sz="1800" dirty="0">
-                <a:solidFill>
-                  <a:srgbClr val="000000"/>
-                </a:solidFill>
-                <a:latin typeface="Consolas" panose="020B0609020204030204" pitchFamily="49" charset="0"/>
-              </a:rPr>
-              <a:t>= {</a:t>
-            </a:r>
-          </a:p>
-          <a:p>
-            <a:r>
-              <a:rPr lang="en-IN" sz="1800" dirty="0">
-                <a:solidFill>
-                  <a:srgbClr val="000000"/>
-                </a:solidFill>
-                <a:latin typeface="Consolas" panose="020B0609020204030204" pitchFamily="49" charset="0"/>
-              </a:rPr>
-              <a:t>   </a:t>
-            </a:r>
-            <a:r>
-              <a:rPr lang="en-IN" sz="1800" dirty="0" smtClean="0">
-                <a:solidFill>
-                  <a:srgbClr val="000000"/>
-                </a:solidFill>
-                <a:latin typeface="Consolas" panose="020B0609020204030204" pitchFamily="49" charset="0"/>
-              </a:rPr>
-              <a:t>    </a:t>
-            </a:r>
-            <a:r>
-              <a:rPr lang="en-IN" sz="1800" dirty="0">
-                <a:solidFill>
-                  <a:srgbClr val="000000"/>
-                </a:solidFill>
-                <a:latin typeface="Consolas" panose="020B0609020204030204" pitchFamily="49" charset="0"/>
-              </a:rPr>
-              <a:t>customerCode: 1001</a:t>
-            </a:r>
-            <a:r>
-              <a:rPr lang="en-IN" sz="1800" dirty="0" smtClean="0">
-                <a:solidFill>
-                  <a:srgbClr val="000000"/>
-                </a:solidFill>
-                <a:latin typeface="Consolas" panose="020B0609020204030204" pitchFamily="49" charset="0"/>
-              </a:rPr>
-              <a:t>, customerName </a:t>
-            </a:r>
-            <a:r>
-              <a:rPr lang="en-IN" sz="1800" dirty="0">
-                <a:solidFill>
-                  <a:srgbClr val="000000"/>
-                </a:solidFill>
-                <a:latin typeface="Consolas" panose="020B0609020204030204" pitchFamily="49" charset="0"/>
-              </a:rPr>
-              <a:t>: </a:t>
-            </a:r>
-            <a:r>
-              <a:rPr lang="en-IN" sz="1800" dirty="0">
-                <a:solidFill>
-                  <a:srgbClr val="A31515"/>
-                </a:solidFill>
-                <a:latin typeface="Consolas" panose="020B0609020204030204" pitchFamily="49" charset="0"/>
-              </a:rPr>
-              <a:t>"Sharmin Bagde</a:t>
-            </a:r>
-            <a:r>
-              <a:rPr lang="en-IN" sz="1800" dirty="0" smtClean="0">
-                <a:solidFill>
-                  <a:srgbClr val="A31515"/>
-                </a:solidFill>
-                <a:latin typeface="Consolas" panose="020B0609020204030204" pitchFamily="49" charset="0"/>
-              </a:rPr>
-              <a:t>"</a:t>
-            </a:r>
-            <a:r>
-              <a:rPr lang="en-IN" sz="1800" dirty="0" smtClean="0">
-                <a:solidFill>
-                  <a:srgbClr val="000000"/>
-                </a:solidFill>
-                <a:latin typeface="Consolas" panose="020B0609020204030204" pitchFamily="49" charset="0"/>
-              </a:rPr>
-              <a:t>, </a:t>
-            </a:r>
-          </a:p>
-          <a:p>
-            <a:r>
-              <a:rPr lang="en-IN" sz="1800" dirty="0">
-                <a:solidFill>
-                  <a:srgbClr val="000000"/>
-                </a:solidFill>
-                <a:latin typeface="Consolas" panose="020B0609020204030204" pitchFamily="49" charset="0"/>
-              </a:rPr>
-              <a:t> </a:t>
-            </a:r>
-            <a:r>
-              <a:rPr lang="en-IN" sz="1800" dirty="0" smtClean="0">
-                <a:solidFill>
-                  <a:srgbClr val="000000"/>
-                </a:solidFill>
-                <a:latin typeface="Consolas" panose="020B0609020204030204" pitchFamily="49" charset="0"/>
-              </a:rPr>
-              <a:t>      customerLocation </a:t>
-            </a:r>
-            <a:r>
-              <a:rPr lang="en-IN" sz="1800" dirty="0">
-                <a:solidFill>
-                  <a:srgbClr val="000000"/>
-                </a:solidFill>
-                <a:latin typeface="Consolas" panose="020B0609020204030204" pitchFamily="49" charset="0"/>
-              </a:rPr>
-              <a:t>: </a:t>
-            </a:r>
-            <a:r>
-              <a:rPr lang="en-IN" sz="1800" dirty="0">
-                <a:solidFill>
-                  <a:srgbClr val="A31515"/>
-                </a:solidFill>
-                <a:latin typeface="Consolas" panose="020B0609020204030204" pitchFamily="49" charset="0"/>
-              </a:rPr>
-              <a:t>'Pune</a:t>
-            </a:r>
-            <a:r>
-              <a:rPr lang="en-IN" sz="1800" dirty="0" smtClean="0">
-                <a:solidFill>
-                  <a:srgbClr val="A31515"/>
-                </a:solidFill>
-                <a:latin typeface="Consolas" panose="020B0609020204030204" pitchFamily="49" charset="0"/>
-              </a:rPr>
-              <a:t>'</a:t>
-            </a:r>
-            <a:r>
-              <a:rPr lang="en-IN" sz="1800" dirty="0" smtClean="0">
-                <a:solidFill>
-                  <a:srgbClr val="000000"/>
-                </a:solidFill>
-                <a:latin typeface="Consolas" panose="020B0609020204030204" pitchFamily="49" charset="0"/>
-              </a:rPr>
-              <a:t>, customerAge </a:t>
-            </a:r>
-            <a:r>
-              <a:rPr lang="en-IN" sz="1800" dirty="0">
-                <a:solidFill>
-                  <a:srgbClr val="000000"/>
-                </a:solidFill>
-                <a:latin typeface="Consolas" panose="020B0609020204030204" pitchFamily="49" charset="0"/>
-              </a:rPr>
-              <a:t>: </a:t>
-            </a:r>
-            <a:r>
-              <a:rPr lang="en-IN" sz="1800" dirty="0">
-                <a:solidFill>
-                  <a:srgbClr val="A31515"/>
-                </a:solidFill>
-                <a:latin typeface="Consolas" panose="020B0609020204030204" pitchFamily="49" charset="0"/>
-              </a:rPr>
-              <a:t>'17 years</a:t>
-            </a:r>
-            <a:r>
-              <a:rPr lang="en-IN" sz="1800" dirty="0" smtClean="0">
-                <a:solidFill>
-                  <a:srgbClr val="A31515"/>
-                </a:solidFill>
-                <a:latin typeface="Consolas" panose="020B0609020204030204" pitchFamily="49" charset="0"/>
-              </a:rPr>
-              <a:t>'</a:t>
-            </a:r>
-            <a:r>
-              <a:rPr lang="en-IN" sz="1800" dirty="0" smtClean="0">
-                <a:solidFill>
-                  <a:srgbClr val="000000"/>
-                </a:solidFill>
-                <a:latin typeface="Consolas" panose="020B0609020204030204" pitchFamily="49" charset="0"/>
-              </a:rPr>
-              <a:t>, </a:t>
-            </a:r>
-          </a:p>
-          <a:p>
-            <a:r>
-              <a:rPr lang="en-IN" sz="1800" dirty="0">
-                <a:solidFill>
-                  <a:srgbClr val="000000"/>
-                </a:solidFill>
-                <a:latin typeface="Consolas" panose="020B0609020204030204" pitchFamily="49" charset="0"/>
-              </a:rPr>
-              <a:t> </a:t>
-            </a:r>
-            <a:r>
-              <a:rPr lang="en-IN" sz="1800" dirty="0" smtClean="0">
-                <a:solidFill>
-                  <a:srgbClr val="000000"/>
-                </a:solidFill>
-                <a:latin typeface="Consolas" panose="020B0609020204030204" pitchFamily="49" charset="0"/>
-              </a:rPr>
-              <a:t>      customerMobile</a:t>
-            </a:r>
-            <a:r>
-              <a:rPr lang="en-IN" sz="1800" dirty="0">
-                <a:solidFill>
-                  <a:srgbClr val="000000"/>
-                </a:solidFill>
-                <a:latin typeface="Consolas" panose="020B0609020204030204" pitchFamily="49" charset="0"/>
-              </a:rPr>
-              <a:t>: </a:t>
-            </a:r>
-            <a:r>
-              <a:rPr lang="en-IN" sz="1800" dirty="0">
-                <a:solidFill>
-                  <a:srgbClr val="A31515"/>
-                </a:solidFill>
-                <a:latin typeface="Consolas" panose="020B0609020204030204" pitchFamily="49" charset="0"/>
-              </a:rPr>
-              <a:t>"9850884..."</a:t>
-            </a:r>
-            <a:r>
-              <a:rPr lang="en-IN" sz="1800" dirty="0">
-                <a:solidFill>
-                  <a:srgbClr val="000000"/>
-                </a:solidFill>
-                <a:latin typeface="Consolas" panose="020B0609020204030204" pitchFamily="49" charset="0"/>
-              </a:rPr>
-              <a:t>,</a:t>
-            </a:r>
-          </a:p>
-          <a:p>
-            <a:r>
-              <a:rPr lang="en-IN" sz="1800" dirty="0" smtClean="0">
-                <a:solidFill>
-                  <a:srgbClr val="000000"/>
-                </a:solidFill>
-                <a:latin typeface="Consolas" panose="020B0609020204030204" pitchFamily="49" charset="0"/>
-              </a:rPr>
-              <a:t>       </a:t>
-            </a:r>
-            <a:r>
-              <a:rPr lang="en-IN" sz="1800" dirty="0">
-                <a:solidFill>
-                  <a:srgbClr val="000000"/>
-                </a:solidFill>
-                <a:latin typeface="Consolas" panose="020B0609020204030204" pitchFamily="49" charset="0"/>
-              </a:rPr>
-              <a:t>customerDetails: </a:t>
-            </a:r>
-            <a:r>
-              <a:rPr lang="en-IN" sz="1800" dirty="0">
-                <a:solidFill>
-                  <a:srgbClr val="0000FF"/>
-                </a:solidFill>
-                <a:latin typeface="Consolas" panose="020B0609020204030204" pitchFamily="49" charset="0"/>
-              </a:rPr>
-              <a:t>function</a:t>
-            </a:r>
-            <a:r>
-              <a:rPr lang="en-IN" sz="1800" dirty="0">
-                <a:solidFill>
-                  <a:srgbClr val="000000"/>
-                </a:solidFill>
-                <a:latin typeface="Consolas" panose="020B0609020204030204" pitchFamily="49" charset="0"/>
-              </a:rPr>
-              <a:t> () {</a:t>
-            </a:r>
-          </a:p>
-          <a:p>
-            <a:r>
-              <a:rPr lang="en-IN" sz="1800" dirty="0" smtClean="0">
-                <a:solidFill>
-                  <a:srgbClr val="000000"/>
-                </a:solidFill>
-                <a:latin typeface="Consolas" panose="020B0609020204030204" pitchFamily="49" charset="0"/>
-              </a:rPr>
-              <a:t>           </a:t>
-            </a:r>
-            <a:r>
-              <a:rPr lang="en-IN" sz="1800" dirty="0">
-                <a:solidFill>
-                  <a:srgbClr val="0000FF"/>
-                </a:solidFill>
-                <a:latin typeface="Consolas" panose="020B0609020204030204" pitchFamily="49" charset="0"/>
-              </a:rPr>
-              <a:t>return</a:t>
-            </a:r>
-            <a:r>
-              <a:rPr lang="en-IN" sz="1800" dirty="0">
-                <a:solidFill>
-                  <a:srgbClr val="000000"/>
-                </a:solidFill>
-                <a:latin typeface="Consolas" panose="020B0609020204030204" pitchFamily="49" charset="0"/>
-              </a:rPr>
-              <a:t> (</a:t>
-            </a:r>
-            <a:r>
-              <a:rPr lang="en-IN" sz="1800" dirty="0">
-                <a:solidFill>
-                  <a:srgbClr val="0000FF"/>
-                </a:solidFill>
-                <a:latin typeface="Consolas" panose="020B0609020204030204" pitchFamily="49" charset="0"/>
-              </a:rPr>
-              <a:t>this</a:t>
-            </a:r>
-            <a:r>
-              <a:rPr lang="en-IN" sz="1800" dirty="0">
-                <a:solidFill>
-                  <a:srgbClr val="000000"/>
-                </a:solidFill>
-                <a:latin typeface="Consolas" panose="020B0609020204030204" pitchFamily="49" charset="0"/>
-              </a:rPr>
-              <a:t>.customerCode + </a:t>
-            </a:r>
-            <a:r>
-              <a:rPr lang="en-IN" sz="1800" dirty="0">
-                <a:solidFill>
-                  <a:srgbClr val="A31515"/>
-                </a:solidFill>
-                <a:latin typeface="Consolas" panose="020B0609020204030204" pitchFamily="49" charset="0"/>
-              </a:rPr>
-              <a:t>" "</a:t>
-            </a:r>
-            <a:r>
-              <a:rPr lang="en-IN" sz="1800" dirty="0">
-                <a:solidFill>
-                  <a:srgbClr val="000000"/>
-                </a:solidFill>
-                <a:latin typeface="Consolas" panose="020B0609020204030204" pitchFamily="49" charset="0"/>
-              </a:rPr>
-              <a:t> + </a:t>
-            </a:r>
-            <a:r>
-              <a:rPr lang="en-IN" sz="1800" dirty="0">
-                <a:solidFill>
-                  <a:srgbClr val="0000FF"/>
-                </a:solidFill>
-                <a:latin typeface="Consolas" panose="020B0609020204030204" pitchFamily="49" charset="0"/>
-              </a:rPr>
-              <a:t>this</a:t>
-            </a:r>
-            <a:r>
-              <a:rPr lang="en-IN" sz="1800" dirty="0">
-                <a:solidFill>
-                  <a:srgbClr val="000000"/>
-                </a:solidFill>
-                <a:latin typeface="Consolas" panose="020B0609020204030204" pitchFamily="49" charset="0"/>
-              </a:rPr>
-              <a:t>.customerName);</a:t>
-            </a:r>
-          </a:p>
-          <a:p>
-            <a:r>
-              <a:rPr lang="en-IN" sz="1800" dirty="0" smtClean="0">
-                <a:solidFill>
-                  <a:srgbClr val="000000"/>
-                </a:solidFill>
-                <a:latin typeface="Consolas" panose="020B0609020204030204" pitchFamily="49" charset="0"/>
-              </a:rPr>
-              <a:t>       </a:t>
-            </a:r>
-            <a:r>
-              <a:rPr lang="en-IN" sz="1800" dirty="0">
-                <a:solidFill>
-                  <a:srgbClr val="000000"/>
-                </a:solidFill>
-                <a:latin typeface="Consolas" panose="020B0609020204030204" pitchFamily="49" charset="0"/>
-              </a:rPr>
-              <a:t>}</a:t>
-            </a:r>
-          </a:p>
-          <a:p>
-            <a:r>
-              <a:rPr lang="en-IN" sz="1800" dirty="0" smtClean="0">
-                <a:solidFill>
-                  <a:srgbClr val="000000"/>
-                </a:solidFill>
-                <a:latin typeface="Consolas" panose="020B0609020204030204" pitchFamily="49" charset="0"/>
-              </a:rPr>
-              <a:t>   }                </a:t>
-            </a:r>
-            <a:r>
-              <a:rPr lang="en-US" sz="1800" dirty="0" smtClean="0">
-                <a:solidFill>
-                  <a:srgbClr val="008000"/>
-                </a:solidFill>
-                <a:latin typeface="Consolas" panose="020B0609020204030204" pitchFamily="49" charset="0"/>
-              </a:rPr>
-              <a:t>// </a:t>
-            </a:r>
-            <a:r>
               <a:rPr lang="en-US" sz="1800" dirty="0">
                 <a:solidFill>
-                  <a:srgbClr val="008000"/>
-                </a:solidFill>
-                <a:latin typeface="Consolas" panose="020B0609020204030204" pitchFamily="49" charset="0"/>
-              </a:rPr>
-              <a:t>or </a:t>
-            </a:r>
-            <a:r>
-              <a:rPr lang="en-US" sz="1800" dirty="0" smtClean="0">
-                <a:solidFill>
-                  <a:srgbClr val="008000"/>
-                </a:solidFill>
-                <a:latin typeface="Consolas" panose="020B0609020204030204" pitchFamily="49" charset="0"/>
-              </a:rPr>
-              <a:t>module.exports.Customers </a:t>
-            </a:r>
-            <a:r>
-              <a:rPr lang="en-US" sz="1800" dirty="0">
-                <a:solidFill>
-                  <a:srgbClr val="008000"/>
-                </a:solidFill>
-                <a:latin typeface="Consolas" panose="020B0609020204030204" pitchFamily="49" charset="0"/>
-              </a:rPr>
-              <a:t>= </a:t>
-            </a:r>
-            <a:r>
-              <a:rPr lang="en-US" sz="1800" dirty="0" smtClean="0">
-                <a:solidFill>
-                  <a:srgbClr val="008000"/>
-                </a:solidFill>
-                <a:latin typeface="Consolas" panose="020B0609020204030204" pitchFamily="49" charset="0"/>
-              </a:rPr>
-              <a:t>{ </a:t>
-            </a:r>
-            <a:r>
-              <a:rPr lang="en-US" sz="1800" dirty="0">
-                <a:solidFill>
-                  <a:srgbClr val="008000"/>
-                </a:solidFill>
-                <a:latin typeface="Consolas" panose="020B0609020204030204" pitchFamily="49" charset="0"/>
-              </a:rPr>
-              <a:t>… };</a:t>
-            </a:r>
-            <a:endParaRPr lang="en-IN" sz="1800" dirty="0">
+                  <a:srgbClr val="BBBBBB"/>
+                </a:solidFill>
+                <a:latin typeface="Consolas" panose="020B0609020204030204" pitchFamily="49" charset="0"/>
+              </a:rPr>
+              <a:t>} </a:t>
+            </a:r>
+            <a:r>
+              <a:rPr lang="en-US" sz="1800" i="1" dirty="0">
+                <a:solidFill>
+                  <a:srgbClr val="00B050"/>
+                </a:solidFill>
+                <a:latin typeface="Consolas" panose="020B0609020204030204" pitchFamily="49" charset="0"/>
+              </a:rPr>
+              <a:t>// or module.exports.Customers = { … };</a:t>
+            </a:r>
+            <a:endParaRPr lang="en-US" sz="1800" dirty="0">
               <a:solidFill>
-                <a:srgbClr val="000000"/>
+                <a:srgbClr val="00B050"/>
               </a:solidFill>
               <a:latin typeface="Consolas" panose="020B0609020204030204" pitchFamily="49" charset="0"/>
             </a:endParaRPr>
           </a:p>
           <a:p>
-            <a:endParaRPr lang="en-IN" sz="1800" dirty="0" smtClean="0">
+            <a:r>
+              <a:rPr lang="en-US" sz="1800" dirty="0">
+                <a:solidFill>
+                  <a:srgbClr val="BBBBBB"/>
+                </a:solidFill>
+                <a:latin typeface="Consolas" panose="020B0609020204030204" pitchFamily="49" charset="0"/>
+              </a:rPr>
+              <a:t/>
+            </a:r>
+            <a:br>
+              <a:rPr lang="en-US" sz="1800" dirty="0">
+                <a:solidFill>
+                  <a:srgbClr val="BBBBBB"/>
+                </a:solidFill>
+                <a:latin typeface="Consolas" panose="020B0609020204030204" pitchFamily="49" charset="0"/>
+              </a:rPr>
+            </a:br>
+            <a:r>
+              <a:rPr lang="en-US" sz="1800" i="1" dirty="0">
+                <a:solidFill>
+                  <a:srgbClr val="C00000"/>
+                </a:solidFill>
+                <a:latin typeface="Consolas" panose="020B0609020204030204" pitchFamily="49" charset="0"/>
+              </a:rPr>
+              <a:t>/* app.js */</a:t>
+            </a:r>
+          </a:p>
+          <a:p>
+            <a:r>
+              <a:rPr lang="en-US" sz="1800" b="1" dirty="0">
+                <a:solidFill>
+                  <a:srgbClr val="93A1A1"/>
+                </a:solidFill>
+                <a:latin typeface="Consolas" panose="020B0609020204030204" pitchFamily="49" charset="0"/>
+              </a:rPr>
+              <a:t>var</a:t>
+            </a:r>
+            <a:r>
+              <a:rPr lang="en-US" sz="1800" dirty="0">
+                <a:solidFill>
+                  <a:srgbClr val="BBBBBB"/>
+                </a:solidFill>
+                <a:latin typeface="Consolas" panose="020B0609020204030204" pitchFamily="49" charset="0"/>
+              </a:rPr>
+              <a:t> </a:t>
+            </a:r>
+            <a:r>
+              <a:rPr lang="en-US" sz="1800" dirty="0">
+                <a:solidFill>
+                  <a:srgbClr val="268BD2"/>
+                </a:solidFill>
+                <a:latin typeface="Consolas" panose="020B0609020204030204" pitchFamily="49" charset="0"/>
+              </a:rPr>
+              <a:t>x</a:t>
+            </a:r>
+            <a:r>
+              <a:rPr lang="en-US" sz="1800" dirty="0">
+                <a:solidFill>
+                  <a:srgbClr val="BBBBBB"/>
+                </a:solidFill>
+                <a:latin typeface="Consolas" panose="020B0609020204030204" pitchFamily="49" charset="0"/>
+              </a:rPr>
+              <a:t> </a:t>
+            </a:r>
+            <a:r>
+              <a:rPr lang="en-US" sz="1800" dirty="0">
+                <a:solidFill>
+                  <a:srgbClr val="859900"/>
+                </a:solidFill>
+                <a:latin typeface="Consolas" panose="020B0609020204030204" pitchFamily="49" charset="0"/>
+              </a:rPr>
+              <a:t>=</a:t>
+            </a:r>
+            <a:r>
+              <a:rPr lang="en-US" sz="1800" dirty="0">
+                <a:solidFill>
+                  <a:srgbClr val="BBBBBB"/>
+                </a:solidFill>
+                <a:latin typeface="Consolas" panose="020B0609020204030204" pitchFamily="49" charset="0"/>
+              </a:rPr>
+              <a:t> </a:t>
+            </a:r>
+            <a:r>
+              <a:rPr lang="en-US" sz="1800" dirty="0">
+                <a:solidFill>
+                  <a:srgbClr val="859900"/>
+                </a:solidFill>
+                <a:latin typeface="Consolas" panose="020B0609020204030204" pitchFamily="49" charset="0"/>
+              </a:rPr>
+              <a:t>module</a:t>
+            </a:r>
+            <a:r>
+              <a:rPr lang="en-US" sz="1800" dirty="0">
+                <a:solidFill>
+                  <a:srgbClr val="BBBBBB"/>
+                </a:solidFill>
+                <a:latin typeface="Consolas" panose="020B0609020204030204" pitchFamily="49" charset="0"/>
+              </a:rPr>
+              <a:t>.</a:t>
+            </a:r>
+            <a:r>
+              <a:rPr lang="en-US" sz="1800" dirty="0">
+                <a:solidFill>
+                  <a:srgbClr val="268BD2"/>
+                </a:solidFill>
+                <a:latin typeface="Consolas" panose="020B0609020204030204" pitchFamily="49" charset="0"/>
+              </a:rPr>
+              <a:t>require</a:t>
+            </a:r>
+            <a:r>
+              <a:rPr lang="en-US" sz="1800" dirty="0">
+                <a:solidFill>
+                  <a:srgbClr val="BBBBBB"/>
+                </a:solidFill>
+                <a:latin typeface="Consolas" panose="020B0609020204030204" pitchFamily="49" charset="0"/>
+              </a:rPr>
+              <a:t>(</a:t>
+            </a:r>
+            <a:r>
+              <a:rPr lang="en-US" sz="1800" dirty="0">
+                <a:solidFill>
+                  <a:srgbClr val="2AA198"/>
+                </a:solidFill>
+                <a:latin typeface="Consolas" panose="020B0609020204030204" pitchFamily="49" charset="0"/>
+              </a:rPr>
+              <a:t>"./myModules"</a:t>
+            </a:r>
+            <a:r>
+              <a:rPr lang="en-US" sz="1800" dirty="0">
+                <a:solidFill>
+                  <a:srgbClr val="BBBBBB"/>
+                </a:solidFill>
+                <a:latin typeface="Consolas" panose="020B0609020204030204" pitchFamily="49" charset="0"/>
+              </a:rPr>
+              <a:t>);</a:t>
+            </a:r>
+          </a:p>
+          <a:p>
+            <a:r>
+              <a:rPr lang="en-US" sz="1800" dirty="0">
+                <a:solidFill>
+                  <a:srgbClr val="859900"/>
+                </a:solidFill>
+                <a:latin typeface="Consolas" panose="020B0609020204030204" pitchFamily="49" charset="0"/>
+              </a:rPr>
+              <a:t>console</a:t>
+            </a:r>
+            <a:r>
+              <a:rPr lang="en-US" sz="1800" dirty="0">
+                <a:solidFill>
+                  <a:srgbClr val="BBBBBB"/>
+                </a:solidFill>
+                <a:latin typeface="Consolas" panose="020B0609020204030204" pitchFamily="49" charset="0"/>
+              </a:rPr>
+              <a:t>.</a:t>
+            </a:r>
+            <a:r>
+              <a:rPr lang="en-US" sz="1800" dirty="0">
+                <a:solidFill>
+                  <a:srgbClr val="268BD2"/>
+                </a:solidFill>
+                <a:latin typeface="Consolas" panose="020B0609020204030204" pitchFamily="49" charset="0"/>
+              </a:rPr>
+              <a:t>log</a:t>
+            </a:r>
+            <a:r>
+              <a:rPr lang="en-US" sz="1800" dirty="0" smtClean="0">
+                <a:solidFill>
+                  <a:srgbClr val="BBBBBB"/>
+                </a:solidFill>
+                <a:latin typeface="Consolas" panose="020B0609020204030204" pitchFamily="49" charset="0"/>
+              </a:rPr>
+              <a:t>( </a:t>
+            </a:r>
+            <a:r>
+              <a:rPr lang="en-US" sz="1800" dirty="0" smtClean="0">
+                <a:solidFill>
+                  <a:srgbClr val="268BD2"/>
+                </a:solidFill>
+                <a:latin typeface="Consolas" panose="020B0609020204030204" pitchFamily="49" charset="0"/>
+              </a:rPr>
+              <a:t>x</a:t>
+            </a:r>
+            <a:r>
+              <a:rPr lang="en-US" sz="1800" dirty="0" smtClean="0">
+                <a:solidFill>
+                  <a:srgbClr val="BBBBBB"/>
+                </a:solidFill>
+                <a:latin typeface="Consolas" panose="020B0609020204030204" pitchFamily="49" charset="0"/>
+              </a:rPr>
+              <a:t>.</a:t>
+            </a:r>
+            <a:r>
+              <a:rPr lang="en-US" sz="1800" dirty="0" smtClean="0">
+                <a:solidFill>
+                  <a:srgbClr val="268BD2"/>
+                </a:solidFill>
+                <a:latin typeface="Consolas" panose="020B0609020204030204" pitchFamily="49" charset="0"/>
+              </a:rPr>
+              <a:t>hello</a:t>
+            </a:r>
+            <a:r>
+              <a:rPr lang="en-US" sz="1800" dirty="0">
+                <a:solidFill>
+                  <a:srgbClr val="BBBBBB"/>
+                </a:solidFill>
+                <a:latin typeface="Consolas" panose="020B0609020204030204" pitchFamily="49" charset="0"/>
+              </a:rPr>
+              <a:t>, </a:t>
+            </a:r>
+            <a:r>
+              <a:rPr lang="en-US" sz="1800" dirty="0">
+                <a:solidFill>
+                  <a:srgbClr val="268BD2"/>
+                </a:solidFill>
+                <a:latin typeface="Consolas" panose="020B0609020204030204" pitchFamily="49" charset="0"/>
+              </a:rPr>
+              <a:t>x</a:t>
+            </a:r>
+            <a:r>
+              <a:rPr lang="en-US" sz="1800" dirty="0">
+                <a:solidFill>
+                  <a:srgbClr val="BBBBBB"/>
+                </a:solidFill>
+                <a:latin typeface="Consolas" panose="020B0609020204030204" pitchFamily="49" charset="0"/>
+              </a:rPr>
+              <a:t>.</a:t>
+            </a:r>
+            <a:r>
+              <a:rPr lang="en-US" sz="1800" dirty="0">
+                <a:solidFill>
+                  <a:srgbClr val="268BD2"/>
+                </a:solidFill>
+                <a:latin typeface="Consolas" panose="020B0609020204030204" pitchFamily="49" charset="0"/>
+              </a:rPr>
+              <a:t>fn</a:t>
+            </a:r>
+            <a:r>
+              <a:rPr lang="en-US" sz="1800" dirty="0">
+                <a:solidFill>
+                  <a:srgbClr val="BBBBBB"/>
+                </a:solidFill>
+                <a:latin typeface="Consolas" panose="020B0609020204030204" pitchFamily="49" charset="0"/>
+              </a:rPr>
+              <a:t>(</a:t>
+            </a:r>
+            <a:r>
+              <a:rPr lang="en-US" sz="1800" dirty="0">
+                <a:solidFill>
+                  <a:srgbClr val="2AA198"/>
+                </a:solidFill>
+                <a:latin typeface="Consolas" panose="020B0609020204030204" pitchFamily="49" charset="0"/>
+              </a:rPr>
+              <a:t>"Saleel Bagde"</a:t>
+            </a:r>
+            <a:r>
+              <a:rPr lang="en-US" sz="1800" dirty="0">
+                <a:solidFill>
+                  <a:srgbClr val="BBBBBB"/>
+                </a:solidFill>
+                <a:latin typeface="Consolas" panose="020B0609020204030204" pitchFamily="49" charset="0"/>
+              </a:rPr>
+              <a:t>));</a:t>
+            </a:r>
+          </a:p>
+          <a:p>
+            <a:r>
+              <a:rPr lang="en-US" sz="1800" dirty="0">
+                <a:solidFill>
+                  <a:srgbClr val="859900"/>
+                </a:solidFill>
+                <a:latin typeface="Consolas" panose="020B0609020204030204" pitchFamily="49" charset="0"/>
+              </a:rPr>
+              <a:t>console</a:t>
+            </a:r>
+            <a:r>
+              <a:rPr lang="en-US" sz="1800" dirty="0">
+                <a:solidFill>
+                  <a:srgbClr val="BBBBBB"/>
+                </a:solidFill>
+                <a:latin typeface="Consolas" panose="020B0609020204030204" pitchFamily="49" charset="0"/>
+              </a:rPr>
+              <a:t>.</a:t>
+            </a:r>
+            <a:r>
+              <a:rPr lang="en-US" sz="1800" dirty="0">
+                <a:solidFill>
+                  <a:srgbClr val="268BD2"/>
+                </a:solidFill>
+                <a:latin typeface="Consolas" panose="020B0609020204030204" pitchFamily="49" charset="0"/>
+              </a:rPr>
+              <a:t>log</a:t>
+            </a:r>
+            <a:r>
+              <a:rPr lang="en-US" sz="1800" dirty="0" smtClean="0">
+                <a:solidFill>
+                  <a:srgbClr val="BBBBBB"/>
+                </a:solidFill>
+                <a:latin typeface="Consolas" panose="020B0609020204030204" pitchFamily="49" charset="0"/>
+              </a:rPr>
+              <a:t>( </a:t>
+            </a:r>
+            <a:r>
+              <a:rPr lang="en-US" sz="1800" dirty="0" smtClean="0">
+                <a:solidFill>
+                  <a:srgbClr val="268BD2"/>
+                </a:solidFill>
+                <a:latin typeface="Consolas" panose="020B0609020204030204" pitchFamily="49" charset="0"/>
+              </a:rPr>
+              <a:t>x</a:t>
+            </a:r>
+            <a:r>
+              <a:rPr lang="en-US" sz="1800" dirty="0" smtClean="0">
+                <a:solidFill>
+                  <a:srgbClr val="BBBBBB"/>
+                </a:solidFill>
+                <a:latin typeface="Consolas" panose="020B0609020204030204" pitchFamily="49" charset="0"/>
+              </a:rPr>
+              <a:t>.</a:t>
+            </a:r>
+            <a:r>
+              <a:rPr lang="en-US" sz="1800" dirty="0" smtClean="0">
+                <a:solidFill>
+                  <a:srgbClr val="268BD2"/>
+                </a:solidFill>
+                <a:latin typeface="Consolas" panose="020B0609020204030204" pitchFamily="49" charset="0"/>
+              </a:rPr>
+              <a:t>Customers</a:t>
+            </a:r>
+            <a:r>
+              <a:rPr lang="en-US" sz="1800" dirty="0" smtClean="0">
+                <a:solidFill>
+                  <a:srgbClr val="BBBBBB"/>
+                </a:solidFill>
+                <a:latin typeface="Consolas" panose="020B0609020204030204" pitchFamily="49" charset="0"/>
+              </a:rPr>
+              <a:t>.</a:t>
+            </a:r>
+            <a:r>
+              <a:rPr lang="en-US" sz="1800" dirty="0" smtClean="0">
+                <a:solidFill>
+                  <a:srgbClr val="268BD2"/>
+                </a:solidFill>
+                <a:latin typeface="Consolas" panose="020B0609020204030204" pitchFamily="49" charset="0"/>
+              </a:rPr>
+              <a:t>customerCode</a:t>
+            </a:r>
+            <a:r>
+              <a:rPr lang="en-US" sz="1800" dirty="0">
+                <a:solidFill>
+                  <a:srgbClr val="BBBBBB"/>
+                </a:solidFill>
+                <a:latin typeface="Consolas" panose="020B0609020204030204" pitchFamily="49" charset="0"/>
+              </a:rPr>
+              <a:t>);</a:t>
+            </a:r>
+          </a:p>
+          <a:p>
+            <a:r>
+              <a:rPr lang="en-US" sz="1800" dirty="0">
+                <a:solidFill>
+                  <a:srgbClr val="859900"/>
+                </a:solidFill>
+                <a:latin typeface="Consolas" panose="020B0609020204030204" pitchFamily="49" charset="0"/>
+              </a:rPr>
+              <a:t>console</a:t>
+            </a:r>
+            <a:r>
+              <a:rPr lang="en-US" sz="1800" dirty="0">
+                <a:solidFill>
+                  <a:srgbClr val="BBBBBB"/>
+                </a:solidFill>
+                <a:latin typeface="Consolas" panose="020B0609020204030204" pitchFamily="49" charset="0"/>
+              </a:rPr>
+              <a:t>.</a:t>
+            </a:r>
+            <a:r>
+              <a:rPr lang="en-US" sz="1800" dirty="0">
+                <a:solidFill>
+                  <a:srgbClr val="268BD2"/>
+                </a:solidFill>
+                <a:latin typeface="Consolas" panose="020B0609020204030204" pitchFamily="49" charset="0"/>
+              </a:rPr>
+              <a:t>log</a:t>
+            </a:r>
+            <a:r>
+              <a:rPr lang="en-US" sz="1800" dirty="0" smtClean="0">
+                <a:solidFill>
+                  <a:srgbClr val="BBBBBB"/>
+                </a:solidFill>
+                <a:latin typeface="Consolas" panose="020B0609020204030204" pitchFamily="49" charset="0"/>
+              </a:rPr>
+              <a:t>( </a:t>
+            </a:r>
+            <a:r>
+              <a:rPr lang="en-US" sz="1800" dirty="0" smtClean="0">
+                <a:solidFill>
+                  <a:srgbClr val="268BD2"/>
+                </a:solidFill>
+                <a:latin typeface="Consolas" panose="020B0609020204030204" pitchFamily="49" charset="0"/>
+              </a:rPr>
+              <a:t>x</a:t>
+            </a:r>
+            <a:r>
+              <a:rPr lang="en-US" sz="1800" dirty="0" smtClean="0">
+                <a:solidFill>
+                  <a:srgbClr val="BBBBBB"/>
+                </a:solidFill>
+                <a:latin typeface="Consolas" panose="020B0609020204030204" pitchFamily="49" charset="0"/>
+              </a:rPr>
+              <a:t>.</a:t>
+            </a:r>
+            <a:r>
+              <a:rPr lang="en-US" sz="1800" dirty="0" smtClean="0">
+                <a:solidFill>
+                  <a:srgbClr val="268BD2"/>
+                </a:solidFill>
+                <a:latin typeface="Consolas" panose="020B0609020204030204" pitchFamily="49" charset="0"/>
+              </a:rPr>
+              <a:t>Customers</a:t>
+            </a:r>
+            <a:r>
+              <a:rPr lang="en-US" sz="1800" dirty="0" smtClean="0">
+                <a:solidFill>
+                  <a:srgbClr val="BBBBBB"/>
+                </a:solidFill>
+                <a:latin typeface="Consolas" panose="020B0609020204030204" pitchFamily="49" charset="0"/>
+              </a:rPr>
+              <a:t>.</a:t>
+            </a:r>
+            <a:r>
+              <a:rPr lang="en-US" sz="1800" dirty="0" smtClean="0">
+                <a:solidFill>
+                  <a:srgbClr val="268BD2"/>
+                </a:solidFill>
+                <a:latin typeface="Consolas" panose="020B0609020204030204" pitchFamily="49" charset="0"/>
+              </a:rPr>
+              <a:t>customerDetails</a:t>
+            </a:r>
+            <a:r>
+              <a:rPr lang="en-US" sz="1800" dirty="0" smtClean="0">
+                <a:solidFill>
+                  <a:srgbClr val="BBBBBB"/>
+                </a:solidFill>
+                <a:latin typeface="Consolas" panose="020B0609020204030204" pitchFamily="49" charset="0"/>
+              </a:rPr>
+              <a:t>());   </a:t>
+            </a:r>
+            <a:endParaRPr lang="en-US" sz="1800" b="0" dirty="0">
               <a:solidFill>
-                <a:srgbClr val="000000"/>
+                <a:srgbClr val="BBBBBB"/>
               </a:solidFill>
+              <a:effectLst/>
               <a:latin typeface="Consolas" panose="020B0609020204030204" pitchFamily="49" charset="0"/>
             </a:endParaRPr>
-          </a:p>
-          <a:p>
-            <a:r>
-              <a:rPr lang="en-US" sz="1800" b="1" i="1" dirty="0" smtClean="0">
-                <a:solidFill>
-                  <a:schemeClr val="accent3">
-                    <a:lumMod val="75000"/>
-                  </a:schemeClr>
-                </a:solidFill>
-                <a:latin typeface="Helvetica Neue"/>
-              </a:rPr>
-              <a:t>  app.js</a:t>
-            </a:r>
-            <a:endParaRPr lang="en-IN" sz="1800" dirty="0">
-              <a:solidFill>
-                <a:srgbClr val="000000"/>
-              </a:solidFill>
-              <a:latin typeface="Consolas" panose="020B0609020204030204" pitchFamily="49" charset="0"/>
-            </a:endParaRPr>
-          </a:p>
-          <a:p>
-            <a:r>
-              <a:rPr lang="en-IN" sz="1800" dirty="0" smtClean="0">
-                <a:solidFill>
-                  <a:srgbClr val="0000FF"/>
-                </a:solidFill>
-                <a:latin typeface="Consolas" panose="020B0609020204030204" pitchFamily="49" charset="0"/>
-              </a:rPr>
-              <a:t>   var</a:t>
-            </a:r>
-            <a:r>
-              <a:rPr lang="en-IN" sz="1800" dirty="0" smtClean="0">
-                <a:solidFill>
-                  <a:srgbClr val="000000"/>
-                </a:solidFill>
-                <a:latin typeface="Consolas" panose="020B0609020204030204" pitchFamily="49" charset="0"/>
-              </a:rPr>
-              <a:t> </a:t>
-            </a:r>
-            <a:r>
-              <a:rPr lang="en-IN" sz="1800" dirty="0">
-                <a:solidFill>
-                  <a:srgbClr val="000000"/>
-                </a:solidFill>
-                <a:latin typeface="Consolas" panose="020B0609020204030204" pitchFamily="49" charset="0"/>
-              </a:rPr>
-              <a:t>x = </a:t>
-            </a:r>
-            <a:r>
-              <a:rPr lang="en-IN" sz="1800" dirty="0">
-                <a:solidFill>
-                  <a:srgbClr val="0000FF"/>
-                </a:solidFill>
-                <a:latin typeface="Consolas" panose="020B0609020204030204" pitchFamily="49" charset="0"/>
-              </a:rPr>
-              <a:t>module</a:t>
-            </a:r>
-            <a:r>
-              <a:rPr lang="en-IN" sz="1800" dirty="0">
-                <a:solidFill>
-                  <a:srgbClr val="000000"/>
-                </a:solidFill>
-                <a:latin typeface="Consolas" panose="020B0609020204030204" pitchFamily="49" charset="0"/>
-              </a:rPr>
-              <a:t>.require(</a:t>
-            </a:r>
-            <a:r>
-              <a:rPr lang="en-IN" sz="1800" dirty="0">
-                <a:solidFill>
-                  <a:srgbClr val="A31515"/>
-                </a:solidFill>
-                <a:latin typeface="Consolas" panose="020B0609020204030204" pitchFamily="49" charset="0"/>
-              </a:rPr>
-              <a:t>"./myModules"</a:t>
-            </a:r>
-            <a:r>
-              <a:rPr lang="en-IN" sz="1800" dirty="0">
-                <a:solidFill>
-                  <a:srgbClr val="000000"/>
-                </a:solidFill>
-                <a:latin typeface="Consolas" panose="020B0609020204030204" pitchFamily="49" charset="0"/>
-              </a:rPr>
-              <a:t>);</a:t>
-            </a:r>
-          </a:p>
-          <a:p>
-            <a:r>
-              <a:rPr lang="en-IN" sz="1800" dirty="0" smtClean="0">
-                <a:solidFill>
-                  <a:srgbClr val="000000"/>
-                </a:solidFill>
-                <a:latin typeface="Consolas" panose="020B0609020204030204" pitchFamily="49" charset="0"/>
-              </a:rPr>
-              <a:t>   console.log(x.hello</a:t>
-            </a:r>
-            <a:r>
-              <a:rPr lang="en-IN" sz="1800" dirty="0">
-                <a:solidFill>
-                  <a:srgbClr val="000000"/>
-                </a:solidFill>
-                <a:latin typeface="Consolas" panose="020B0609020204030204" pitchFamily="49" charset="0"/>
-              </a:rPr>
-              <a:t>, x.fn(</a:t>
-            </a:r>
-            <a:r>
-              <a:rPr lang="en-IN" sz="1800" dirty="0">
-                <a:solidFill>
-                  <a:srgbClr val="A31515"/>
-                </a:solidFill>
-                <a:latin typeface="Consolas" panose="020B0609020204030204" pitchFamily="49" charset="0"/>
-              </a:rPr>
-              <a:t>"Saleel Bagde"</a:t>
-            </a:r>
-            <a:r>
-              <a:rPr lang="en-IN" sz="1800" dirty="0">
-                <a:solidFill>
-                  <a:srgbClr val="000000"/>
-                </a:solidFill>
-                <a:latin typeface="Consolas" panose="020B0609020204030204" pitchFamily="49" charset="0"/>
-              </a:rPr>
-              <a:t>));</a:t>
-            </a:r>
-          </a:p>
-          <a:p>
-            <a:r>
-              <a:rPr lang="en-IN" sz="1800" dirty="0" smtClean="0">
-                <a:solidFill>
-                  <a:srgbClr val="000000"/>
-                </a:solidFill>
-                <a:latin typeface="Consolas" panose="020B0609020204030204" pitchFamily="49" charset="0"/>
-              </a:rPr>
-              <a:t>   console.log(x.Customers.customerCode</a:t>
-            </a:r>
-            <a:r>
-              <a:rPr lang="en-IN" sz="1800" dirty="0">
-                <a:solidFill>
-                  <a:srgbClr val="000000"/>
-                </a:solidFill>
-                <a:latin typeface="Consolas" panose="020B0609020204030204" pitchFamily="49" charset="0"/>
-              </a:rPr>
-              <a:t>);</a:t>
-            </a:r>
-          </a:p>
-          <a:p>
-            <a:r>
-              <a:rPr lang="en-IN" sz="1800" dirty="0" smtClean="0">
-                <a:solidFill>
-                  <a:srgbClr val="000000"/>
-                </a:solidFill>
-                <a:latin typeface="Consolas" panose="020B0609020204030204" pitchFamily="49" charset="0"/>
-              </a:rPr>
-              <a:t>   console.log(x.Customers.customerDetails</a:t>
-            </a:r>
-            <a:r>
-              <a:rPr lang="en-IN" sz="1800" dirty="0">
-                <a:solidFill>
-                  <a:srgbClr val="000000"/>
-                </a:solidFill>
-                <a:latin typeface="Consolas" panose="020B0609020204030204" pitchFamily="49" charset="0"/>
-              </a:rPr>
-              <a:t>());</a:t>
-            </a:r>
-            <a:endParaRPr lang="en-IN" sz="1800" dirty="0"/>
           </a:p>
         </p:txBody>
       </p:sp>
@@ -19967,14 +20050,6 @@
               </a:rPr>
               <a:t>find document</a:t>
             </a:r>
-            <a:endParaRPr lang="en-IN" sz="4000" i="1" dirty="0">
-              <a:solidFill>
-                <a:schemeClr val="accent4">
-                  <a:lumMod val="75000"/>
-                </a:schemeClr>
-              </a:solidFill>
-              <a:latin typeface="Open Sans"/>
-            </a:endParaRPr>
           </a:p>
         </p:txBody>
       </p:sp>
@@ -27974,6 +28049,84 @@
     <p:extLst>
       <p:ext uri="{BB962C8B-B14F-4D97-AF65-F5344CB8AC3E}">
         <p14:creationId xmlns:p14="http://schemas.microsoft.com/office/powerpoint/2010/main" val="1890737521"/>
+      </p:ext>
+    </p:extLst>
+  </p:cSld>
+  <p:clrMapOvr>
+    <a:masterClrMapping/>
+  </p:clrMapOvr>
+  <p:timing>
+    <p:tnLst>
+      <p:par>
+        <p:cTn id="1" dur="indefinite" restart="never" nodeType="tmRoot"/>
+      </p:par>
+    </p:tnLst>
+  </p:timing>
+</p:sld>
+</file>
+
+<file path=ppt/slides/slide38.xml><?xml version="1.0" encoding="utf-8"?>
+<p:sld xmlns:a="http://schemas.openxmlformats.org/drawingml/2006/main" xmlns:r="http://schemas.openxmlformats.org/officeDocument/2006/relationships" xmlns:p="http://schemas.openxmlformats.org/presentationml/2006/main">
+  <p:cSld>
+    <p:spTree>
+      <p:nvGrpSpPr>
+        <p:cNvPr id="1" name=""/>
+        <p:cNvGrpSpPr/>
+        <p:nvPr/>
+      </p:nvGrpSpPr>
+      <p:grpSpPr>
+        <a:xfrm>
+          <a:off x="0" y="0"/>
+          <a:ext cx="0" cy="0"/>
+          <a:chOff x="0" y="0"/>
+          <a:chExt cx="0" cy="0"/>
+        </a:xfrm>
+      </p:grpSpPr>
+      <p:pic>
+        <p:nvPicPr>
+          <p:cNvPr id="1026" name="Picture 2" descr="http://www.bvctch.vn/vnt_upload/weblink/thks.jpg"/>
+          <p:cNvPicPr>
+            <a:picLocks noChangeAspect="1" noChangeArrowheads="1"/>
+          </p:cNvPicPr>
+          <p:nvPr/>
+        </p:nvPicPr>
+        <p:blipFill>
+          <a:blip r:embed="rId2">
+            <a:extLst>
+              <a:ext uri="{28A0092B-C50C-407E-A947-70E740481C1C}">
+                <a14:useLocalDpi xmlns:a14="http://schemas.microsoft.com/office/drawing/2010/main" val="0"/>
+              </a:ext>
+            </a:extLst>
+          </a:blip>
+          <a:srcRect/>
+          <a:stretch>
+            <a:fillRect/>
+          </a:stretch>
+        </p:blipFill>
+        <p:spPr bwMode="auto">
+          <a:xfrm>
+            <a:off x="2895600" y="757237"/>
+            <a:ext cx="3124200" cy="4881563"/>
+          </a:xfrm>
+          <a:prstGeom prst="rect">
+            <a:avLst/>
+          </a:prstGeom>
+          <a:noFill/>
+          <a:extLst>
+            <a:ext uri="{909E8E84-426E-40DD-AFC4-6F175D3DCCD1}">
+              <a14:hiddenFill xmlns:a14="http://schemas.microsoft.com/office/drawing/2010/main">
+                <a:solidFill>
+                  <a:srgbClr val="FFFFFF"/>
+                </a:solidFill>
+              </a14:hiddenFill>
+            </a:ext>
+          </a:extLst>
+        </p:spPr>
+      </p:pic>
+    </p:spTree>
+    <p:extLst>
+      <p:ext uri="{BB962C8B-B14F-4D97-AF65-F5344CB8AC3E}">
+        <p14:creationId xmlns:p14="http://schemas.microsoft.com/office/powerpoint/2010/main" val="1452534139"/>
       </p:ext>
     </p:extLst>
   </p:cSld>
@@ -30230,11 +30383,82 @@
             <a:r>
               <a:rPr lang="en-US" sz="2000" i="1" dirty="0">
                 <a:solidFill>
+                  <a:srgbClr val="C00000"/>
+                </a:solidFill>
+                <a:latin typeface="Consolas" panose="020B0609020204030204" pitchFamily="49" charset="0"/>
+              </a:rPr>
+              <a:t>/* module.js */</a:t>
+            </a:r>
+            <a:endParaRPr lang="en-US" sz="2000" dirty="0">
+              <a:solidFill>
+                <a:srgbClr val="C00000"/>
+              </a:solidFill>
+              <a:latin typeface="Consolas" panose="020B0609020204030204" pitchFamily="49" charset="0"/>
+            </a:endParaRPr>
+          </a:p>
+          <a:p>
+            <a:r>
+              <a:rPr lang="en-US" sz="2000" dirty="0">
+                <a:solidFill>
+                  <a:srgbClr val="859900"/>
+                </a:solidFill>
+                <a:latin typeface="Consolas" panose="020B0609020204030204" pitchFamily="49" charset="0"/>
+              </a:rPr>
+              <a:t>exports</a:t>
+            </a:r>
+            <a:r>
+              <a:rPr lang="en-US" sz="2000" dirty="0">
+                <a:solidFill>
+                  <a:srgbClr val="BBBBBB"/>
+                </a:solidFill>
+                <a:latin typeface="Consolas" panose="020B0609020204030204" pitchFamily="49" charset="0"/>
+              </a:rPr>
+              <a:t> </a:t>
+            </a:r>
+            <a:r>
+              <a:rPr lang="en-US" sz="2000" dirty="0">
+                <a:solidFill>
+                  <a:srgbClr val="859900"/>
+                </a:solidFill>
+                <a:latin typeface="Consolas" panose="020B0609020204030204" pitchFamily="49" charset="0"/>
+              </a:rPr>
+              <a:t>=</a:t>
+            </a:r>
+            <a:r>
+              <a:rPr lang="en-US" sz="2000" dirty="0">
+                <a:solidFill>
+                  <a:srgbClr val="BBBBBB"/>
+                </a:solidFill>
+                <a:latin typeface="Consolas" panose="020B0609020204030204" pitchFamily="49" charset="0"/>
+              </a:rPr>
+              <a:t> </a:t>
+            </a:r>
+            <a:r>
+              <a:rPr lang="en-US" sz="2000" dirty="0">
+                <a:solidFill>
+                  <a:srgbClr val="2AA198"/>
+                </a:solidFill>
+                <a:latin typeface="Consolas" panose="020B0609020204030204" pitchFamily="49" charset="0"/>
+              </a:rPr>
+              <a:t>"Hello World"</a:t>
+            </a:r>
+            <a:r>
+              <a:rPr lang="en-US" sz="2000" dirty="0">
+                <a:solidFill>
+                  <a:srgbClr val="BBBBBB"/>
+                </a:solidFill>
+                <a:latin typeface="Consolas" panose="020B0609020204030204" pitchFamily="49" charset="0"/>
+              </a:rPr>
+              <a:t>;         </a:t>
+            </a:r>
+            <a:r>
+              <a:rPr lang="en-US" sz="2000" i="1" dirty="0">
+                <a:solidFill>
                   <a:srgbClr val="00B050"/>
                 </a:solidFill>
                 <a:latin typeface="Consolas" panose="020B0609020204030204" pitchFamily="49" charset="0"/>
               </a:rPr>
-              <a:t>/* module.js */</a:t>
+              <a:t>// {}</a:t>
             </a:r>
             <a:endParaRPr lang="en-US" sz="2000" dirty="0">
               <a:solidFill>
@@ -30251,6 +30475,24 @@
                 </a:solidFill>
                 <a:latin typeface="Consolas" panose="020B0609020204030204" pitchFamily="49" charset="0"/>
               </a:rPr>
+              <a:t>module</a:t>
+            </a:r>
+            <a:r>
+              <a:rPr lang="en-US" sz="2000" dirty="0">
+                <a:solidFill>
+                  <a:srgbClr val="BBBBBB"/>
+                </a:solidFill>
+                <a:latin typeface="Consolas" panose="020B0609020204030204" pitchFamily="49" charset="0"/>
+              </a:rPr>
+              <a:t>.</a:t>
+            </a:r>
+            <a:r>
+              <a:rPr lang="en-US" sz="2000" dirty="0">
+                <a:solidFill>
+                  <a:srgbClr val="859900"/>
+                </a:solidFill>
+                <a:latin typeface="Consolas" panose="020B0609020204030204" pitchFamily="49" charset="0"/>
+              </a:rPr>
               <a:t>exports</a:t>
             </a:r>
             <a:r>
@@ -30296,7 +30538,25 @@
                 </a:solidFill>
                 <a:latin typeface="Consolas" panose="020B0609020204030204" pitchFamily="49" charset="0"/>
               </a:rPr>
-              <a:t>;         </a:t>
+              <a:t>; </a:t>
+            </a:r>
+            <a:r>
+              <a:rPr lang="en-US" sz="2000" dirty="0" smtClean="0">
+                <a:solidFill>
+                  <a:srgbClr val="BBBBBB"/>
+                </a:solidFill>
+                <a:latin typeface="Consolas" panose="020B0609020204030204" pitchFamily="49" charset="0"/>
+              </a:rPr>
+              <a:t> </a:t>
+            </a:r>
+            <a:r>
+              <a:rPr lang="en-US" sz="2000" i="1" dirty="0" smtClean="0">
+                <a:solidFill>
+                  <a:srgbClr val="00B050"/>
+                </a:solidFill>
+                <a:latin typeface="Consolas" panose="020B0609020204030204" pitchFamily="49" charset="0"/>
+              </a:rPr>
+              <a:t>// </a:t>
             </a:r>
             <a:r>
               <a:rPr lang="en-US" sz="2000" i="1" dirty="0">
@@ -30305,7 +30565,7 @@
                 </a:solidFill>
                 <a:latin typeface="Consolas" panose="020B0609020204030204" pitchFamily="49" charset="0"/>
               </a:rPr>
-              <a:t>// {}</a:t>
+              <a:t>Hello World</a:t>
             </a:r>
             <a:endParaRPr lang="en-US" sz="2000" dirty="0">
               <a:solidFill>
@@ -30318,139 +30578,32 @@
             <a:r>
               <a:rPr lang="en-US" sz="2000" dirty="0">
                 <a:solidFill>
-                  <a:srgbClr val="859900"/>
-                </a:solidFill>
-                <a:latin typeface="Consolas" panose="020B0609020204030204" pitchFamily="49" charset="0"/>
-              </a:rPr>
-              <a:t>module</a:t>
-            </a:r>
-            <a:r>
-              <a:rPr lang="en-US" sz="2000" dirty="0">
-                <a:solidFill>
-                  <a:srgbClr val="BBBBBB"/>
-                </a:solidFill>
-                <a:latin typeface="Consolas" panose="020B0609020204030204" pitchFamily="49" charset="0"/>
-              </a:rPr>
-              <a:t>.</a:t>
-            </a:r>
-            <a:r>
-              <a:rPr lang="en-US" sz="2000" dirty="0">
-                <a:solidFill>
-                  <a:srgbClr val="859900"/>
-                </a:solidFill>
-                <a:latin typeface="Consolas" panose="020B0609020204030204" pitchFamily="49" charset="0"/>
-              </a:rPr>
-              <a:t>exports</a:t>
-            </a:r>
-            <a:r>
-              <a:rPr lang="en-US" sz="2000" dirty="0">
-                <a:solidFill>
-                  <a:srgbClr val="BBBBBB"/>
-                </a:solidFill>
-                <a:latin typeface="Consolas" panose="020B0609020204030204" pitchFamily="49" charset="0"/>
-              </a:rPr>
-              <a:t> </a:t>
-            </a:r>
-            <a:r>
-              <a:rPr lang="en-US" sz="2000" dirty="0">
-                <a:solidFill>
-                  <a:srgbClr val="859900"/>
-                </a:solidFill>
-                <a:latin typeface="Consolas" panose="020B0609020204030204" pitchFamily="49" charset="0"/>
-              </a:rPr>
-              <a:t>=</a:t>
-            </a:r>
-            <a:r>
-              <a:rPr lang="en-US" sz="2000" dirty="0">
-                <a:solidFill>
-                  <a:srgbClr val="BBBBBB"/>
-                </a:solidFill>
-                <a:latin typeface="Consolas" panose="020B0609020204030204" pitchFamily="49" charset="0"/>
-              </a:rPr>
-              <a:t> </a:t>
-            </a:r>
-            <a:r>
-              <a:rPr lang="en-US" sz="2000" dirty="0">
-                <a:solidFill>
-                  <a:srgbClr val="2AA198"/>
-                </a:solidFill>
-                <a:latin typeface="Consolas" panose="020B0609020204030204" pitchFamily="49" charset="0"/>
-              </a:rPr>
-              <a:t>"Hello World"</a:t>
-            </a:r>
-            <a:r>
-              <a:rPr lang="en-US" sz="2000" dirty="0">
-                <a:solidFill>
-                  <a:srgbClr val="BBBBBB"/>
-                </a:solidFill>
-                <a:latin typeface="Consolas" panose="020B0609020204030204" pitchFamily="49" charset="0"/>
-              </a:rPr>
-              <a:t>; </a:t>
-            </a:r>
-            <a:r>
-              <a:rPr lang="en-US" sz="2000" dirty="0" smtClean="0">
-                <a:solidFill>
-                  <a:srgbClr val="BBBBBB"/>
-                </a:solidFill>
-                <a:latin typeface="Consolas" panose="020B0609020204030204" pitchFamily="49" charset="0"/>
-              </a:rPr>
-              <a:t> </a:t>
-            </a:r>
-            <a:r>
-              <a:rPr lang="en-US" sz="2000" i="1" dirty="0" smtClean="0">
-                <a:solidFill>
-                  <a:srgbClr val="00B050"/>
-                </a:solidFill>
-                <a:latin typeface="Consolas" panose="020B0609020204030204" pitchFamily="49" charset="0"/>
-              </a:rPr>
-              <a:t>// </a:t>
-            </a:r>
+                  <a:srgbClr val="BBBBBB"/>
+                </a:solidFill>
+                <a:latin typeface="Consolas" panose="020B0609020204030204" pitchFamily="49" charset="0"/>
+              </a:rPr>
+              <a:t/>
+            </a:r>
+            <a:br>
+              <a:rPr lang="en-US" sz="2000" dirty="0">
+                <a:solidFill>
+                  <a:srgbClr val="BBBBBB"/>
+                </a:solidFill>
+                <a:latin typeface="Consolas" panose="020B0609020204030204" pitchFamily="49" charset="0"/>
+              </a:rPr>
+            </a:br>
             <a:r>
               <a:rPr lang="en-US" sz="2000" i="1" dirty="0">
                 <a:solidFill>
-                  <a:srgbClr val="00B050"/>
-                </a:solidFill>
-                <a:latin typeface="Consolas" panose="020B0609020204030204" pitchFamily="49" charset="0"/>
-              </a:rPr>
-              <a:t>Hello World</a:t>
+                  <a:srgbClr val="C00000"/>
+                </a:solidFill>
+                <a:latin typeface="Consolas" panose="020B0609020204030204" pitchFamily="49" charset="0"/>
+              </a:rPr>
+              <a:t>/* app.js */</a:t>
             </a:r>
             <a:endParaRPr lang="en-US" sz="2000" dirty="0">
               <a:solidFill>
-                <a:srgbClr val="00B050"/>
-              </a:solidFill>
-              <a:latin typeface="Consolas" panose="020B0609020204030204" pitchFamily="49" charset="0"/>
-            </a:endParaRPr>
-          </a:p>
-          <a:p>
-            <a:r>
-              <a:rPr lang="en-US" sz="2000" dirty="0">
-                <a:solidFill>
-                  <a:srgbClr val="BBBBBB"/>
-                </a:solidFill>
-                <a:latin typeface="Consolas" panose="020B0609020204030204" pitchFamily="49" charset="0"/>
-              </a:rPr>
-              <a:t/>
-            </a:r>
-            <a:br>
-              <a:rPr lang="en-US" sz="2000" dirty="0">
-                <a:solidFill>
-                  <a:srgbClr val="BBBBBB"/>
-                </a:solidFill>
-                <a:latin typeface="Consolas" panose="020B0609020204030204" pitchFamily="49" charset="0"/>
-              </a:rPr>
-            </a:br>
-            <a:r>
-              <a:rPr lang="en-US" sz="2000" i="1" dirty="0">
-                <a:solidFill>
-                  <a:srgbClr val="00B050"/>
-                </a:solidFill>
-                <a:latin typeface="Consolas" panose="020B0609020204030204" pitchFamily="49" charset="0"/>
-              </a:rPr>
-              <a:t>/* app.js */</a:t>
-            </a:r>
-            <a:endParaRPr lang="en-US" sz="2000" dirty="0">
-              <a:solidFill>
-                <a:srgbClr val="00B050"/>
+                <a:srgbClr val="C00000"/>
               </a:solidFill>
               <a:latin typeface="Consolas" panose="020B0609020204030204" pitchFamily="49" charset="0"/>
             </a:endParaRPr>

--- a/NodeJS.pptx
+++ b/NodeJS.pptx
@@ -288,7 +288,7 @@
             <a:fld id="{A7B1724D-A50F-4C38-8BDE-920DAD4008EA}" type="datetimeFigureOut">
               <a:rPr lang="en-US" smtClean="0"/>
               <a:pPr/>
-              <a:t>1/1/2019</a:t>
+              <a:t>1/2/2019</a:t>
             </a:fld>
             <a:endParaRPr lang="en-US"/>
           </a:p>
@@ -28084,7 +28084,7 @@
       </p:grpSpPr>
       <p:pic>
         <p:nvPicPr>
-          <p:cNvPr id="1026" name="Picture 2" descr="http://www.bvctch.vn/vnt_upload/weblink/thks.jpg"/>
+          <p:cNvPr id="3" name="Picture 2" descr="http://www.bvctch.vn/vnt_upload/weblink/thks.jpg"/>
           <p:cNvPicPr>
             <a:picLocks noChangeAspect="1" noChangeArrowheads="1"/>
           </p:cNvPicPr>
@@ -28105,8 +28105,8 @@
         </p:blipFill>
         <p:spPr bwMode="auto">
           <a:xfrm>
-            <a:off x="2895600" y="757237"/>
-            <a:ext cx="3124200" cy="4881563"/>
+            <a:off x="2994781" y="1828800"/>
+            <a:ext cx="2925838" cy="4495800"/>
           </a:xfrm>
           <a:prstGeom prst="rect">
             <a:avLst/>
@@ -28123,6 +28123,46 @@
           </a:extLst>
         </p:spPr>
       </p:pic>
+      <p:sp>
+        <p:nvSpPr>
+          <p:cNvPr id="4" name="Rectangle 3"/>
+          <p:cNvSpPr/>
+          <p:nvPr/>
+        </p:nvSpPr>
+        <p:spPr>
+          <a:xfrm>
+            <a:off x="152400" y="0"/>
+            <a:ext cx="8610600" cy="1846659"/>
+          </a:xfrm>
+          <a:prstGeom prst="rect">
+            <a:avLst/>
+          </a:prstGeom>
+        </p:spPr>
+        <p:txBody>
+          <a:bodyPr wrap="square">
+            <a:spAutoFit/>
+          </a:bodyPr>
+          <a:lstStyle/>
+          <a:p>
+            <a:pPr algn="ctr"/>
+            <a:r>
+              <a:rPr lang="en-US" sz="3800" dirty="0">
+                <a:solidFill>
+                  <a:srgbClr val="FFC000"/>
+                </a:solidFill>
+                <a:latin typeface="Segoe Print" panose="02000600000000000000" pitchFamily="2" charset="0"/>
+              </a:rPr>
+              <a:t>"One best book is equal to hundred friends but one good friend equals to a library"</a:t>
+            </a:r>
+            <a:endParaRPr lang="en-IN" sz="3800" dirty="0">
+              <a:solidFill>
+                <a:srgbClr val="FFC000"/>
+              </a:solidFill>
+              <a:latin typeface="Segoe Print" panose="02000600000000000000" pitchFamily="2" charset="0"/>
+            </a:endParaRPr>
+          </a:p>
+        </p:txBody>
+      </p:sp>
     </p:spTree>
     <p:extLst>
       <p:ext uri="{BB962C8B-B14F-4D97-AF65-F5344CB8AC3E}">
